--- a/Prezentace/Obhajoba.pptx
+++ b/Prezentace/Obhajoba.pptx
@@ -16,6 +16,10 @@
     <p:sldId id="270" r:id="rId10"/>
     <p:sldId id="271" r:id="rId11"/>
     <p:sldId id="272" r:id="rId12"/>
+    <p:sldId id="274" r:id="rId13"/>
+    <p:sldId id="275" r:id="rId14"/>
+    <p:sldId id="276" r:id="rId15"/>
+    <p:sldId id="277" r:id="rId16"/>
   </p:sldIdLst>
   <p:sldSz cx="12192000" cy="6858000"/>
   <p:notesSz cx="6858000" cy="9144000"/>
@@ -114,6 +118,11 @@
       </a:defRPr>
     </a:lvl9pPr>
   </p:defaultTextStyle>
+  <p:extLst>
+    <p:ext uri="{EFAFB233-063F-42B5-8137-9DF3F51BA10A}">
+      <p15:sldGuideLst xmlns:p15="http://schemas.microsoft.com/office/powerpoint/2012/main"/>
+    </p:ext>
+  </p:extLst>
 </p:presentation>
 </file>
 
@@ -286,7 +295,7 @@
           <a:p>
             <a:fld id="{03CE74D3-F92B-464D-9715-8FE5684DC149}" type="datetimeFigureOut">
               <a:rPr lang="cs-CZ" smtClean="0"/>
-              <a:t>15.04.2024</a:t>
+              <a:t>23.04.2024</a:t>
             </a:fld>
             <a:endParaRPr lang="cs-CZ"/>
           </a:p>
@@ -616,7 +625,7 @@
           <a:p>
             <a:fld id="{03CE74D3-F92B-464D-9715-8FE5684DC149}" type="datetimeFigureOut">
               <a:rPr lang="cs-CZ" smtClean="0"/>
-              <a:t>15.04.2024</a:t>
+              <a:t>23.04.2024</a:t>
             </a:fld>
             <a:endParaRPr lang="cs-CZ"/>
           </a:p>
@@ -796,7 +805,7 @@
           <a:p>
             <a:fld id="{03CE74D3-F92B-464D-9715-8FE5684DC149}" type="datetimeFigureOut">
               <a:rPr lang="cs-CZ" smtClean="0"/>
-              <a:t>15.04.2024</a:t>
+              <a:t>23.04.2024</a:t>
             </a:fld>
             <a:endParaRPr lang="cs-CZ"/>
           </a:p>
@@ -992,7 +1001,7 @@
           <a:p>
             <a:fld id="{03CE74D3-F92B-464D-9715-8FE5684DC149}" type="datetimeFigureOut">
               <a:rPr lang="cs-CZ" smtClean="0"/>
-              <a:t>15.04.2024</a:t>
+              <a:t>23.04.2024</a:t>
             </a:fld>
             <a:endParaRPr lang="cs-CZ"/>
           </a:p>
@@ -1269,7 +1278,7 @@
           <a:p>
             <a:fld id="{03CE74D3-F92B-464D-9715-8FE5684DC149}" type="datetimeFigureOut">
               <a:rPr lang="cs-CZ" smtClean="0"/>
-              <a:t>15.04.2024</a:t>
+              <a:t>23.04.2024</a:t>
             </a:fld>
             <a:endParaRPr lang="cs-CZ"/>
           </a:p>
@@ -1663,7 +1672,7 @@
           <a:p>
             <a:fld id="{03CE74D3-F92B-464D-9715-8FE5684DC149}" type="datetimeFigureOut">
               <a:rPr lang="cs-CZ" smtClean="0"/>
-              <a:t>15.04.2024</a:t>
+              <a:t>23.04.2024</a:t>
             </a:fld>
             <a:endParaRPr lang="cs-CZ"/>
           </a:p>
@@ -2140,7 +2149,7 @@
           <a:p>
             <a:fld id="{03CE74D3-F92B-464D-9715-8FE5684DC149}" type="datetimeFigureOut">
               <a:rPr lang="cs-CZ" smtClean="0"/>
-              <a:t>15.04.2024</a:t>
+              <a:t>23.04.2024</a:t>
             </a:fld>
             <a:endParaRPr lang="cs-CZ"/>
           </a:p>
@@ -2258,7 +2267,7 @@
           <a:p>
             <a:fld id="{03CE74D3-F92B-464D-9715-8FE5684DC149}" type="datetimeFigureOut">
               <a:rPr lang="cs-CZ" smtClean="0"/>
-              <a:t>15.04.2024</a:t>
+              <a:t>23.04.2024</a:t>
             </a:fld>
             <a:endParaRPr lang="cs-CZ"/>
           </a:p>
@@ -2353,7 +2362,7 @@
           <a:p>
             <a:fld id="{03CE74D3-F92B-464D-9715-8FE5684DC149}" type="datetimeFigureOut">
               <a:rPr lang="cs-CZ" smtClean="0"/>
-              <a:t>15.04.2024</a:t>
+              <a:t>23.04.2024</a:t>
             </a:fld>
             <a:endParaRPr lang="cs-CZ"/>
           </a:p>
@@ -2699,7 +2708,7 @@
           <a:p>
             <a:fld id="{03CE74D3-F92B-464D-9715-8FE5684DC149}" type="datetimeFigureOut">
               <a:rPr lang="cs-CZ" smtClean="0"/>
-              <a:t>15.04.2024</a:t>
+              <a:t>23.04.2024</a:t>
             </a:fld>
             <a:endParaRPr lang="cs-CZ"/>
           </a:p>
@@ -3087,7 +3096,7 @@
           <a:p>
             <a:fld id="{03CE74D3-F92B-464D-9715-8FE5684DC149}" type="datetimeFigureOut">
               <a:rPr lang="cs-CZ" smtClean="0"/>
-              <a:t>15.04.2024</a:t>
+              <a:t>23.04.2024</a:t>
             </a:fld>
             <a:endParaRPr lang="cs-CZ"/>
           </a:p>
@@ -3365,7 +3374,7 @@
           <a:p>
             <a:fld id="{03CE74D3-F92B-464D-9715-8FE5684DC149}" type="datetimeFigureOut">
               <a:rPr lang="cs-CZ" smtClean="0"/>
-              <a:t>15.04.2024</a:t>
+              <a:t>23.04.2024</a:t>
             </a:fld>
             <a:endParaRPr lang="cs-CZ"/>
           </a:p>
@@ -4104,6 +4113,450 @@
 </p:sld>
 </file>
 
+<file path=ppt/slides/slide12.xml><?xml version="1.0" encoding="utf-8"?>
+<p:sld xmlns:a="http://schemas.openxmlformats.org/drawingml/2006/main" xmlns:r="http://schemas.openxmlformats.org/officeDocument/2006/relationships" xmlns:p="http://schemas.openxmlformats.org/presentationml/2006/main">
+  <p:cSld>
+    <p:spTree>
+      <p:nvGrpSpPr>
+        <p:cNvPr id="1" name=""/>
+        <p:cNvGrpSpPr/>
+        <p:nvPr/>
+      </p:nvGrpSpPr>
+      <p:grpSpPr>
+        <a:xfrm>
+          <a:off x="0" y="0"/>
+          <a:ext cx="0" cy="0"/>
+          <a:chOff x="0" y="0"/>
+          <a:chExt cx="0" cy="0"/>
+        </a:xfrm>
+      </p:grpSpPr>
+      <p:sp>
+        <p:nvSpPr>
+          <p:cNvPr id="2" name="Nadpis 1">
+            <a:extLst>
+              <a:ext uri="{FF2B5EF4-FFF2-40B4-BE49-F238E27FC236}">
+                <a16:creationId xmlns:a16="http://schemas.microsoft.com/office/drawing/2014/main" id="{9958DA0A-A297-3FA6-52EE-4358721F9395}"/>
+              </a:ext>
+            </a:extLst>
+          </p:cNvPr>
+          <p:cNvSpPr>
+            <a:spLocks noGrp="1"/>
+          </p:cNvSpPr>
+          <p:nvPr>
+            <p:ph type="ctrTitle"/>
+          </p:nvPr>
+        </p:nvSpPr>
+        <p:spPr/>
+        <p:txBody>
+          <a:bodyPr/>
+          <a:lstStyle/>
+          <a:p>
+            <a:r>
+              <a:rPr lang="cs-CZ" dirty="0"/>
+              <a:t>API a BACKEND</a:t>
+            </a:r>
+          </a:p>
+        </p:txBody>
+      </p:sp>
+      <p:sp>
+        <p:nvSpPr>
+          <p:cNvPr id="3" name="Podnadpis 2">
+            <a:extLst>
+              <a:ext uri="{FF2B5EF4-FFF2-40B4-BE49-F238E27FC236}">
+                <a16:creationId xmlns:a16="http://schemas.microsoft.com/office/drawing/2014/main" id="{29738B56-BFD3-5F87-CC8D-F051AEDD3639}"/>
+              </a:ext>
+            </a:extLst>
+          </p:cNvPr>
+          <p:cNvSpPr>
+            <a:spLocks noGrp="1"/>
+          </p:cNvSpPr>
+          <p:nvPr>
+            <p:ph type="subTitle" idx="1"/>
+          </p:nvPr>
+        </p:nvSpPr>
+        <p:spPr/>
+        <p:txBody>
+          <a:bodyPr/>
+          <a:lstStyle/>
+          <a:p>
+            <a:endParaRPr lang="cs-CZ"/>
+          </a:p>
+        </p:txBody>
+      </p:sp>
+    </p:spTree>
+    <p:extLst>
+      <p:ext uri="{BB962C8B-B14F-4D97-AF65-F5344CB8AC3E}">
+        <p14:creationId xmlns:p14="http://schemas.microsoft.com/office/powerpoint/2010/main" val="3648454656"/>
+      </p:ext>
+    </p:extLst>
+  </p:cSld>
+  <p:clrMapOvr>
+    <a:masterClrMapping/>
+  </p:clrMapOvr>
+</p:sld>
+</file>
+
+<file path=ppt/slides/slide13.xml><?xml version="1.0" encoding="utf-8"?>
+<p:sld xmlns:a="http://schemas.openxmlformats.org/drawingml/2006/main" xmlns:r="http://schemas.openxmlformats.org/officeDocument/2006/relationships" xmlns:p="http://schemas.openxmlformats.org/presentationml/2006/main">
+  <p:cSld>
+    <p:spTree>
+      <p:nvGrpSpPr>
+        <p:cNvPr id="1" name=""/>
+        <p:cNvGrpSpPr/>
+        <p:nvPr/>
+      </p:nvGrpSpPr>
+      <p:grpSpPr>
+        <a:xfrm>
+          <a:off x="0" y="0"/>
+          <a:ext cx="0" cy="0"/>
+          <a:chOff x="0" y="0"/>
+          <a:chExt cx="0" cy="0"/>
+        </a:xfrm>
+      </p:grpSpPr>
+      <p:sp>
+        <p:nvSpPr>
+          <p:cNvPr id="2" name="Nadpis 1">
+            <a:extLst>
+              <a:ext uri="{FF2B5EF4-FFF2-40B4-BE49-F238E27FC236}">
+                <a16:creationId xmlns:a16="http://schemas.microsoft.com/office/drawing/2014/main" id="{6902A8EA-B7BD-C7B5-26B0-87354EE94C21}"/>
+              </a:ext>
+            </a:extLst>
+          </p:cNvPr>
+          <p:cNvSpPr>
+            <a:spLocks noGrp="1"/>
+          </p:cNvSpPr>
+          <p:nvPr>
+            <p:ph type="title"/>
+          </p:nvPr>
+        </p:nvSpPr>
+        <p:spPr/>
+        <p:txBody>
+          <a:bodyPr/>
+          <a:lstStyle/>
+          <a:p>
+            <a:endParaRPr lang="cs-CZ" dirty="0"/>
+          </a:p>
+        </p:txBody>
+      </p:sp>
+      <p:sp>
+        <p:nvSpPr>
+          <p:cNvPr id="3" name="Zástupný obsah 2">
+            <a:extLst>
+              <a:ext uri="{FF2B5EF4-FFF2-40B4-BE49-F238E27FC236}">
+                <a16:creationId xmlns:a16="http://schemas.microsoft.com/office/drawing/2014/main" id="{80DA2664-2D9B-11AE-7FEC-5C39B382CFE1}"/>
+              </a:ext>
+            </a:extLst>
+          </p:cNvPr>
+          <p:cNvSpPr>
+            <a:spLocks noGrp="1"/>
+          </p:cNvSpPr>
+          <p:nvPr>
+            <p:ph idx="1"/>
+          </p:nvPr>
+        </p:nvSpPr>
+        <p:spPr/>
+        <p:txBody>
+          <a:bodyPr/>
+          <a:lstStyle/>
+          <a:p>
+            <a:r>
+              <a:rPr lang="cs-CZ" dirty="0" err="1"/>
+              <a:t>Typescript</a:t>
+            </a:r>
+            <a:endParaRPr lang="cs-CZ" dirty="0"/>
+          </a:p>
+          <a:p>
+            <a:r>
+              <a:rPr lang="cs-CZ" dirty="0"/>
+              <a:t>API psané v </a:t>
+            </a:r>
+            <a:r>
+              <a:rPr lang="cs-CZ" dirty="0" err="1"/>
+              <a:t>tRPC</a:t>
+            </a:r>
+            <a:endParaRPr lang="cs-CZ" dirty="0"/>
+          </a:p>
+          <a:p>
+            <a:pPr lvl="1"/>
+            <a:r>
+              <a:rPr lang="cs-CZ" dirty="0"/>
+              <a:t>Rozdělené na 4 routery</a:t>
+            </a:r>
+          </a:p>
+          <a:p>
+            <a:pPr lvl="2"/>
+            <a:r>
+              <a:rPr lang="cs-CZ" dirty="0" err="1"/>
+              <a:t>Tasks</a:t>
+            </a:r>
+            <a:endParaRPr lang="cs-CZ" dirty="0"/>
+          </a:p>
+          <a:p>
+            <a:pPr lvl="2"/>
+            <a:r>
+              <a:rPr lang="cs-CZ" dirty="0" err="1"/>
+              <a:t>Categories</a:t>
+            </a:r>
+            <a:endParaRPr lang="cs-CZ" dirty="0"/>
+          </a:p>
+          <a:p>
+            <a:pPr lvl="2"/>
+            <a:r>
+              <a:rPr lang="cs-CZ" dirty="0" err="1"/>
+              <a:t>Groups</a:t>
+            </a:r>
+            <a:endParaRPr lang="cs-CZ" dirty="0"/>
+          </a:p>
+          <a:p>
+            <a:pPr lvl="2"/>
+            <a:r>
+              <a:rPr lang="cs-CZ" dirty="0" err="1"/>
+              <a:t>Users</a:t>
+            </a:r>
+            <a:endParaRPr lang="cs-CZ" dirty="0"/>
+          </a:p>
+        </p:txBody>
+      </p:sp>
+    </p:spTree>
+    <p:extLst>
+      <p:ext uri="{BB962C8B-B14F-4D97-AF65-F5344CB8AC3E}">
+        <p14:creationId xmlns:p14="http://schemas.microsoft.com/office/powerpoint/2010/main" val="2499420092"/>
+      </p:ext>
+    </p:extLst>
+  </p:cSld>
+  <p:clrMapOvr>
+    <a:masterClrMapping/>
+  </p:clrMapOvr>
+</p:sld>
+</file>
+
+<file path=ppt/slides/slide14.xml><?xml version="1.0" encoding="utf-8"?>
+<p:sld xmlns:a="http://schemas.openxmlformats.org/drawingml/2006/main" xmlns:r="http://schemas.openxmlformats.org/officeDocument/2006/relationships" xmlns:p="http://schemas.openxmlformats.org/presentationml/2006/main">
+  <p:cSld>
+    <p:spTree>
+      <p:nvGrpSpPr>
+        <p:cNvPr id="1" name=""/>
+        <p:cNvGrpSpPr/>
+        <p:nvPr/>
+      </p:nvGrpSpPr>
+      <p:grpSpPr>
+        <a:xfrm>
+          <a:off x="0" y="0"/>
+          <a:ext cx="0" cy="0"/>
+          <a:chOff x="0" y="0"/>
+          <a:chExt cx="0" cy="0"/>
+        </a:xfrm>
+      </p:grpSpPr>
+      <p:sp>
+        <p:nvSpPr>
+          <p:cNvPr id="2" name="Nadpis 1">
+            <a:extLst>
+              <a:ext uri="{FF2B5EF4-FFF2-40B4-BE49-F238E27FC236}">
+                <a16:creationId xmlns:a16="http://schemas.microsoft.com/office/drawing/2014/main" id="{4C4DC250-E02B-319E-AFF3-407761C4A4AD}"/>
+              </a:ext>
+            </a:extLst>
+          </p:cNvPr>
+          <p:cNvSpPr>
+            <a:spLocks noGrp="1"/>
+          </p:cNvSpPr>
+          <p:nvPr>
+            <p:ph type="ctrTitle"/>
+          </p:nvPr>
+        </p:nvSpPr>
+        <p:spPr/>
+        <p:txBody>
+          <a:bodyPr/>
+          <a:lstStyle/>
+          <a:p>
+            <a:r>
+              <a:rPr lang="cs-CZ" dirty="0" err="1"/>
+              <a:t>Frontend</a:t>
+            </a:r>
+            <a:endParaRPr lang="cs-CZ" dirty="0"/>
+          </a:p>
+        </p:txBody>
+      </p:sp>
+      <p:sp>
+        <p:nvSpPr>
+          <p:cNvPr id="3" name="Podnadpis 2">
+            <a:extLst>
+              <a:ext uri="{FF2B5EF4-FFF2-40B4-BE49-F238E27FC236}">
+                <a16:creationId xmlns:a16="http://schemas.microsoft.com/office/drawing/2014/main" id="{4A69F245-BE69-C391-63A9-93D408EC8ED9}"/>
+              </a:ext>
+            </a:extLst>
+          </p:cNvPr>
+          <p:cNvSpPr>
+            <a:spLocks noGrp="1"/>
+          </p:cNvSpPr>
+          <p:nvPr>
+            <p:ph type="subTitle" idx="1"/>
+          </p:nvPr>
+        </p:nvSpPr>
+        <p:spPr/>
+        <p:txBody>
+          <a:bodyPr/>
+          <a:lstStyle/>
+          <a:p>
+            <a:endParaRPr lang="cs-CZ"/>
+          </a:p>
+        </p:txBody>
+      </p:sp>
+    </p:spTree>
+    <p:extLst>
+      <p:ext uri="{BB962C8B-B14F-4D97-AF65-F5344CB8AC3E}">
+        <p14:creationId xmlns:p14="http://schemas.microsoft.com/office/powerpoint/2010/main" val="2332293271"/>
+      </p:ext>
+    </p:extLst>
+  </p:cSld>
+  <p:clrMapOvr>
+    <a:masterClrMapping/>
+  </p:clrMapOvr>
+</p:sld>
+</file>
+
+<file path=ppt/slides/slide15.xml><?xml version="1.0" encoding="utf-8"?>
+<p:sld xmlns:a="http://schemas.openxmlformats.org/drawingml/2006/main" xmlns:r="http://schemas.openxmlformats.org/officeDocument/2006/relationships" xmlns:p="http://schemas.openxmlformats.org/presentationml/2006/main">
+  <p:cSld>
+    <p:spTree>
+      <p:nvGrpSpPr>
+        <p:cNvPr id="1" name=""/>
+        <p:cNvGrpSpPr/>
+        <p:nvPr/>
+      </p:nvGrpSpPr>
+      <p:grpSpPr>
+        <a:xfrm>
+          <a:off x="0" y="0"/>
+          <a:ext cx="0" cy="0"/>
+          <a:chOff x="0" y="0"/>
+          <a:chExt cx="0" cy="0"/>
+        </a:xfrm>
+      </p:grpSpPr>
+      <p:sp>
+        <p:nvSpPr>
+          <p:cNvPr id="2" name="Nadpis 1">
+            <a:extLst>
+              <a:ext uri="{FF2B5EF4-FFF2-40B4-BE49-F238E27FC236}">
+                <a16:creationId xmlns:a16="http://schemas.microsoft.com/office/drawing/2014/main" id="{FBBA9281-737E-D8EE-2E1C-36DD7ABAF4E9}"/>
+              </a:ext>
+            </a:extLst>
+          </p:cNvPr>
+          <p:cNvSpPr>
+            <a:spLocks noGrp="1"/>
+          </p:cNvSpPr>
+          <p:nvPr>
+            <p:ph type="title"/>
+          </p:nvPr>
+        </p:nvSpPr>
+        <p:spPr/>
+        <p:txBody>
+          <a:bodyPr/>
+          <a:lstStyle/>
+          <a:p>
+            <a:endParaRPr lang="cs-CZ"/>
+          </a:p>
+        </p:txBody>
+      </p:sp>
+      <p:sp>
+        <p:nvSpPr>
+          <p:cNvPr id="3" name="Zástupný obsah 2">
+            <a:extLst>
+              <a:ext uri="{FF2B5EF4-FFF2-40B4-BE49-F238E27FC236}">
+                <a16:creationId xmlns:a16="http://schemas.microsoft.com/office/drawing/2014/main" id="{061BD291-2AE7-3D64-6D40-002C0EB891E7}"/>
+              </a:ext>
+            </a:extLst>
+          </p:cNvPr>
+          <p:cNvSpPr>
+            <a:spLocks noGrp="1"/>
+          </p:cNvSpPr>
+          <p:nvPr>
+            <p:ph idx="1"/>
+          </p:nvPr>
+        </p:nvSpPr>
+        <p:spPr/>
+        <p:txBody>
+          <a:bodyPr/>
+          <a:lstStyle/>
+          <a:p>
+            <a:r>
+              <a:rPr lang="cs-CZ" dirty="0"/>
+              <a:t>Next.JS s </a:t>
+            </a:r>
+            <a:r>
+              <a:rPr lang="cs-CZ" dirty="0" err="1"/>
+              <a:t>Typescriptem</a:t>
+            </a:r>
+            <a:endParaRPr lang="cs-CZ" dirty="0"/>
+          </a:p>
+          <a:p>
+            <a:r>
+              <a:rPr lang="cs-CZ" dirty="0" err="1"/>
+              <a:t>TailwindCSS</a:t>
+            </a:r>
+            <a:r>
+              <a:rPr lang="cs-CZ" dirty="0"/>
+              <a:t> + </a:t>
+            </a:r>
+            <a:r>
+              <a:rPr lang="cs-CZ" dirty="0" err="1"/>
+              <a:t>PostCSS</a:t>
+            </a:r>
+            <a:endParaRPr lang="cs-CZ" dirty="0"/>
+          </a:p>
+          <a:p>
+            <a:pPr lvl="1"/>
+            <a:r>
+              <a:rPr lang="cs-CZ" dirty="0"/>
+              <a:t>Původně </a:t>
+            </a:r>
+            <a:r>
+              <a:rPr lang="cs-CZ" dirty="0" err="1"/>
+              <a:t>Bootstrap</a:t>
+            </a:r>
+            <a:endParaRPr lang="cs-CZ" dirty="0"/>
+          </a:p>
+          <a:p>
+            <a:r>
+              <a:rPr lang="cs-CZ" dirty="0" err="1"/>
+              <a:t>NextUI</a:t>
+            </a:r>
+            <a:endParaRPr lang="cs-CZ" dirty="0"/>
+          </a:p>
+          <a:p>
+            <a:r>
+              <a:rPr lang="cs-CZ" dirty="0" err="1"/>
+              <a:t>react</a:t>
+            </a:r>
+            <a:r>
+              <a:rPr lang="cs-CZ" dirty="0"/>
+              <a:t>-big-</a:t>
+            </a:r>
+            <a:r>
+              <a:rPr lang="cs-CZ" dirty="0" err="1"/>
+              <a:t>calendar</a:t>
+            </a:r>
+            <a:endParaRPr lang="cs-CZ" dirty="0"/>
+          </a:p>
+          <a:p>
+            <a:r>
+              <a:rPr lang="cs-CZ" dirty="0"/>
+              <a:t>Chart.JS</a:t>
+            </a:r>
+          </a:p>
+        </p:txBody>
+      </p:sp>
+    </p:spTree>
+    <p:extLst>
+      <p:ext uri="{BB962C8B-B14F-4D97-AF65-F5344CB8AC3E}">
+        <p14:creationId xmlns:p14="http://schemas.microsoft.com/office/powerpoint/2010/main" val="87473102"/>
+      </p:ext>
+    </p:extLst>
+  </p:cSld>
+  <p:clrMapOvr>
+    <a:masterClrMapping/>
+  </p:clrMapOvr>
+</p:sld>
+</file>
+
 <file path=ppt/slides/slide2.xml><?xml version="1.0" encoding="utf-8"?>
 <p:sld xmlns:a="http://schemas.openxmlformats.org/drawingml/2006/main" xmlns:r="http://schemas.openxmlformats.org/officeDocument/2006/relationships" xmlns:p="http://schemas.openxmlformats.org/presentationml/2006/main">
   <p:cSld>
@@ -4400,7 +4853,7 @@
           <a:p>
             <a:r>
               <a:rPr lang="cs-CZ" dirty="0"/>
-              <a:t>V čem?</a:t>
+              <a:t>Technologie</a:t>
             </a:r>
           </a:p>
         </p:txBody>

--- a/Prezentace/Obhajoba.pptx
+++ b/Prezentace/Obhajoba.pptx
@@ -7,19 +7,31 @@
   <p:sldIdLst>
     <p:sldId id="256" r:id="rId2"/>
     <p:sldId id="257" r:id="rId3"/>
-    <p:sldId id="265" r:id="rId4"/>
-    <p:sldId id="259" r:id="rId5"/>
-    <p:sldId id="267" r:id="rId6"/>
-    <p:sldId id="268" r:id="rId7"/>
-    <p:sldId id="269" r:id="rId8"/>
-    <p:sldId id="273" r:id="rId9"/>
-    <p:sldId id="270" r:id="rId10"/>
-    <p:sldId id="271" r:id="rId11"/>
-    <p:sldId id="272" r:id="rId12"/>
-    <p:sldId id="274" r:id="rId13"/>
-    <p:sldId id="275" r:id="rId14"/>
-    <p:sldId id="276" r:id="rId15"/>
-    <p:sldId id="277" r:id="rId16"/>
+    <p:sldId id="281" r:id="rId4"/>
+    <p:sldId id="282" r:id="rId5"/>
+    <p:sldId id="274" r:id="rId6"/>
+    <p:sldId id="284" r:id="rId7"/>
+    <p:sldId id="283" r:id="rId8"/>
+    <p:sldId id="276" r:id="rId9"/>
+    <p:sldId id="285" r:id="rId10"/>
+    <p:sldId id="259" r:id="rId11"/>
+    <p:sldId id="265" r:id="rId12"/>
+    <p:sldId id="268" r:id="rId13"/>
+    <p:sldId id="269" r:id="rId14"/>
+    <p:sldId id="286" r:id="rId15"/>
+    <p:sldId id="267" r:id="rId16"/>
+    <p:sldId id="289" r:id="rId17"/>
+    <p:sldId id="290" r:id="rId18"/>
+    <p:sldId id="287" r:id="rId19"/>
+    <p:sldId id="271" r:id="rId20"/>
+    <p:sldId id="272" r:id="rId21"/>
+    <p:sldId id="277" r:id="rId22"/>
+    <p:sldId id="270" r:id="rId23"/>
+    <p:sldId id="273" r:id="rId24"/>
+    <p:sldId id="278" r:id="rId25"/>
+    <p:sldId id="279" r:id="rId26"/>
+    <p:sldId id="280" r:id="rId27"/>
+    <p:sldId id="288" r:id="rId28"/>
   </p:sldIdLst>
   <p:sldSz cx="12192000" cy="6858000"/>
   <p:notesSz cx="6858000" cy="9144000"/>
@@ -295,7 +307,7 @@
           <a:p>
             <a:fld id="{03CE74D3-F92B-464D-9715-8FE5684DC149}" type="datetimeFigureOut">
               <a:rPr lang="cs-CZ" smtClean="0"/>
-              <a:t>23.04.2024</a:t>
+              <a:t>10.05.2024</a:t>
             </a:fld>
             <a:endParaRPr lang="cs-CZ"/>
           </a:p>
@@ -508,6 +520,18 @@
   <p:clrMapOvr>
     <a:overrideClrMapping bg1="lt1" tx1="dk1" bg2="lt2" tx2="dk2" accent1="accent1" accent2="accent2" accent3="accent3" accent4="accent4" accent5="accent5" accent6="accent6" hlink="hlink" folHlink="folHlink"/>
   </p:clrMapOvr>
+  <mc:AlternateContent xmlns:mc="http://schemas.openxmlformats.org/markup-compatibility/2006" xmlns:p159="http://schemas.microsoft.com/office/powerpoint/2015/09/main">
+    <mc:Choice Requires="p159">
+      <p:transition>
+        <p159:morph option="byObject"/>
+      </p:transition>
+    </mc:Choice>
+    <mc:Fallback xmlns="">
+      <p:transition>
+        <p:fade/>
+      </p:transition>
+    </mc:Fallback>
+  </mc:AlternateContent>
 </p:sldLayout>
 </file>
 
@@ -625,7 +649,7 @@
           <a:p>
             <a:fld id="{03CE74D3-F92B-464D-9715-8FE5684DC149}" type="datetimeFigureOut">
               <a:rPr lang="cs-CZ" smtClean="0"/>
-              <a:t>23.04.2024</a:t>
+              <a:t>10.05.2024</a:t>
             </a:fld>
             <a:endParaRPr lang="cs-CZ"/>
           </a:p>
@@ -683,6 +707,18 @@
   <p:clrMapOvr>
     <a:masterClrMapping/>
   </p:clrMapOvr>
+  <mc:AlternateContent xmlns:mc="http://schemas.openxmlformats.org/markup-compatibility/2006" xmlns:p159="http://schemas.microsoft.com/office/powerpoint/2015/09/main">
+    <mc:Choice Requires="p159">
+      <p:transition>
+        <p159:morph option="byObject"/>
+      </p:transition>
+    </mc:Choice>
+    <mc:Fallback xmlns="">
+      <p:transition>
+        <p:fade/>
+      </p:transition>
+    </mc:Fallback>
+  </mc:AlternateContent>
 </p:sldLayout>
 </file>
 
@@ -805,7 +841,7 @@
           <a:p>
             <a:fld id="{03CE74D3-F92B-464D-9715-8FE5684DC149}" type="datetimeFigureOut">
               <a:rPr lang="cs-CZ" smtClean="0"/>
-              <a:t>23.04.2024</a:t>
+              <a:t>10.05.2024</a:t>
             </a:fld>
             <a:endParaRPr lang="cs-CZ"/>
           </a:p>
@@ -863,6 +899,18 @@
   <p:clrMapOvr>
     <a:masterClrMapping/>
   </p:clrMapOvr>
+  <mc:AlternateContent xmlns:mc="http://schemas.openxmlformats.org/markup-compatibility/2006" xmlns:p159="http://schemas.microsoft.com/office/powerpoint/2015/09/main">
+    <mc:Choice Requires="p159">
+      <p:transition>
+        <p159:morph option="byObject"/>
+      </p:transition>
+    </mc:Choice>
+    <mc:Fallback xmlns="">
+      <p:transition>
+        <p:fade/>
+      </p:transition>
+    </mc:Fallback>
+  </mc:AlternateContent>
 </p:sldLayout>
 </file>
 
@@ -924,7 +972,7 @@
         <p:spPr>
           <a:xfrm>
             <a:off x="1371600" y="1030778"/>
-            <a:ext cx="9601200" cy="4836622"/>
+            <a:ext cx="9601200" cy="5192222"/>
           </a:xfrm>
         </p:spPr>
         <p:txBody>
@@ -1001,7 +1049,7 @@
           <a:p>
             <a:fld id="{03CE74D3-F92B-464D-9715-8FE5684DC149}" type="datetimeFigureOut">
               <a:rPr lang="cs-CZ" smtClean="0"/>
-              <a:t>23.04.2024</a:t>
+              <a:t>10.05.2024</a:t>
             </a:fld>
             <a:endParaRPr lang="cs-CZ"/>
           </a:p>
@@ -1059,6 +1107,18 @@
   <p:clrMapOvr>
     <a:masterClrMapping/>
   </p:clrMapOvr>
+  <mc:AlternateContent xmlns:mc="http://schemas.openxmlformats.org/markup-compatibility/2006" xmlns:p159="http://schemas.microsoft.com/office/powerpoint/2015/09/main">
+    <mc:Choice Requires="p159">
+      <p:transition>
+        <p159:morph option="byObject"/>
+      </p:transition>
+    </mc:Choice>
+    <mc:Fallback xmlns="">
+      <p:transition>
+        <p:fade/>
+      </p:transition>
+    </mc:Fallback>
+  </mc:AlternateContent>
 </p:sldLayout>
 </file>
 
@@ -1278,7 +1338,7 @@
           <a:p>
             <a:fld id="{03CE74D3-F92B-464D-9715-8FE5684DC149}" type="datetimeFigureOut">
               <a:rPr lang="cs-CZ" smtClean="0"/>
-              <a:t>23.04.2024</a:t>
+              <a:t>10.05.2024</a:t>
             </a:fld>
             <a:endParaRPr lang="cs-CZ"/>
           </a:p>
@@ -1418,6 +1478,18 @@
   <p:clrMapOvr>
     <a:overrideClrMapping bg1="dk1" tx1="lt1" bg2="dk2" tx2="lt2" accent1="accent1" accent2="accent2" accent3="accent3" accent4="accent4" accent5="accent5" accent6="accent6" hlink="hlink" folHlink="folHlink"/>
   </p:clrMapOvr>
+  <mc:AlternateContent xmlns:mc="http://schemas.openxmlformats.org/markup-compatibility/2006" xmlns:p159="http://schemas.microsoft.com/office/powerpoint/2015/09/main">
+    <mc:Choice Requires="p159">
+      <p:transition>
+        <p159:morph option="byObject"/>
+      </p:transition>
+    </mc:Choice>
+    <mc:Fallback xmlns="">
+      <p:transition>
+        <p:fade/>
+      </p:transition>
+    </mc:Fallback>
+  </mc:AlternateContent>
 </p:sldLayout>
 </file>
 
@@ -1672,7 +1744,7 @@
           <a:p>
             <a:fld id="{03CE74D3-F92B-464D-9715-8FE5684DC149}" type="datetimeFigureOut">
               <a:rPr lang="cs-CZ" smtClean="0"/>
-              <a:t>23.04.2024</a:t>
+              <a:t>10.05.2024</a:t>
             </a:fld>
             <a:endParaRPr lang="cs-CZ"/>
           </a:p>
@@ -1730,6 +1802,18 @@
   <p:clrMapOvr>
     <a:masterClrMapping/>
   </p:clrMapOvr>
+  <mc:AlternateContent xmlns:mc="http://schemas.openxmlformats.org/markup-compatibility/2006" xmlns:p159="http://schemas.microsoft.com/office/powerpoint/2015/09/main">
+    <mc:Choice Requires="p159">
+      <p:transition>
+        <p159:morph option="byObject"/>
+      </p:transition>
+    </mc:Choice>
+    <mc:Fallback xmlns="">
+      <p:transition>
+        <p:fade/>
+      </p:transition>
+    </mc:Fallback>
+  </mc:AlternateContent>
 </p:sldLayout>
 </file>
 
@@ -2149,7 +2233,7 @@
           <a:p>
             <a:fld id="{03CE74D3-F92B-464D-9715-8FE5684DC149}" type="datetimeFigureOut">
               <a:rPr lang="cs-CZ" smtClean="0"/>
-              <a:t>23.04.2024</a:t>
+              <a:t>10.05.2024</a:t>
             </a:fld>
             <a:endParaRPr lang="cs-CZ"/>
           </a:p>
@@ -2207,6 +2291,18 @@
   <p:clrMapOvr>
     <a:masterClrMapping/>
   </p:clrMapOvr>
+  <mc:AlternateContent xmlns:mc="http://schemas.openxmlformats.org/markup-compatibility/2006" xmlns:p159="http://schemas.microsoft.com/office/powerpoint/2015/09/main">
+    <mc:Choice Requires="p159">
+      <p:transition>
+        <p159:morph option="byObject"/>
+      </p:transition>
+    </mc:Choice>
+    <mc:Fallback xmlns="">
+      <p:transition>
+        <p:fade/>
+      </p:transition>
+    </mc:Fallback>
+  </mc:AlternateContent>
 </p:sldLayout>
 </file>
 
@@ -2267,7 +2363,7 @@
           <a:p>
             <a:fld id="{03CE74D3-F92B-464D-9715-8FE5684DC149}" type="datetimeFigureOut">
               <a:rPr lang="cs-CZ" smtClean="0"/>
-              <a:t>23.04.2024</a:t>
+              <a:t>10.05.2024</a:t>
             </a:fld>
             <a:endParaRPr lang="cs-CZ"/>
           </a:p>
@@ -2325,6 +2421,18 @@
   <p:clrMapOvr>
     <a:masterClrMapping/>
   </p:clrMapOvr>
+  <mc:AlternateContent xmlns:mc="http://schemas.openxmlformats.org/markup-compatibility/2006" xmlns:p159="http://schemas.microsoft.com/office/powerpoint/2015/09/main">
+    <mc:Choice Requires="p159">
+      <p:transition>
+        <p159:morph option="byObject"/>
+      </p:transition>
+    </mc:Choice>
+    <mc:Fallback xmlns="">
+      <p:transition>
+        <p:fade/>
+      </p:transition>
+    </mc:Fallback>
+  </mc:AlternateContent>
 </p:sldLayout>
 </file>
 
@@ -2362,7 +2470,7 @@
           <a:p>
             <a:fld id="{03CE74D3-F92B-464D-9715-8FE5684DC149}" type="datetimeFigureOut">
               <a:rPr lang="cs-CZ" smtClean="0"/>
-              <a:t>23.04.2024</a:t>
+              <a:t>10.05.2024</a:t>
             </a:fld>
             <a:endParaRPr lang="cs-CZ"/>
           </a:p>
@@ -2420,6 +2528,18 @@
   <p:clrMapOvr>
     <a:masterClrMapping/>
   </p:clrMapOvr>
+  <mc:AlternateContent xmlns:mc="http://schemas.openxmlformats.org/markup-compatibility/2006" xmlns:p159="http://schemas.microsoft.com/office/powerpoint/2015/09/main">
+    <mc:Choice Requires="p159">
+      <p:transition>
+        <p159:morph option="byObject"/>
+      </p:transition>
+    </mc:Choice>
+    <mc:Fallback xmlns="">
+      <p:transition>
+        <p:fade/>
+      </p:transition>
+    </mc:Fallback>
+  </mc:AlternateContent>
 </p:sldLayout>
 </file>
 
@@ -2708,7 +2828,7 @@
           <a:p>
             <a:fld id="{03CE74D3-F92B-464D-9715-8FE5684DC149}" type="datetimeFigureOut">
               <a:rPr lang="cs-CZ" smtClean="0"/>
-              <a:t>23.04.2024</a:t>
+              <a:t>10.05.2024</a:t>
             </a:fld>
             <a:endParaRPr lang="cs-CZ"/>
           </a:p>
@@ -2830,6 +2950,18 @@
   <p:clrMapOvr>
     <a:masterClrMapping/>
   </p:clrMapOvr>
+  <mc:AlternateContent xmlns:mc="http://schemas.openxmlformats.org/markup-compatibility/2006" xmlns:p159="http://schemas.microsoft.com/office/powerpoint/2015/09/main">
+    <mc:Choice Requires="p159">
+      <p:transition>
+        <p159:morph option="byObject"/>
+      </p:transition>
+    </mc:Choice>
+    <mc:Fallback xmlns="">
+      <p:transition>
+        <p:fade/>
+      </p:transition>
+    </mc:Fallback>
+  </mc:AlternateContent>
 </p:sldLayout>
 </file>
 
@@ -3096,7 +3228,7 @@
           <a:p>
             <a:fld id="{03CE74D3-F92B-464D-9715-8FE5684DC149}" type="datetimeFigureOut">
               <a:rPr lang="cs-CZ" smtClean="0"/>
-              <a:t>23.04.2024</a:t>
+              <a:t>10.05.2024</a:t>
             </a:fld>
             <a:endParaRPr lang="cs-CZ"/>
           </a:p>
@@ -3218,6 +3350,18 @@
   <p:clrMapOvr>
     <a:masterClrMapping/>
   </p:clrMapOvr>
+  <mc:AlternateContent xmlns:mc="http://schemas.openxmlformats.org/markup-compatibility/2006" xmlns:p159="http://schemas.microsoft.com/office/powerpoint/2015/09/main">
+    <mc:Choice Requires="p159">
+      <p:transition>
+        <p159:morph option="byObject"/>
+      </p:transition>
+    </mc:Choice>
+    <mc:Fallback xmlns="">
+      <p:transition>
+        <p:fade/>
+      </p:transition>
+    </mc:Fallback>
+  </mc:AlternateContent>
 </p:sldLayout>
 </file>
 
@@ -3374,7 +3518,7 @@
           <a:p>
             <a:fld id="{03CE74D3-F92B-464D-9715-8FE5684DC149}" type="datetimeFigureOut">
               <a:rPr lang="cs-CZ" smtClean="0"/>
-              <a:t>23.04.2024</a:t>
+              <a:t>10.05.2024</a:t>
             </a:fld>
             <a:endParaRPr lang="cs-CZ"/>
           </a:p>
@@ -3513,6 +3657,18 @@
     <p:sldLayoutId id="2147483670" r:id="rId10"/>
     <p:sldLayoutId id="2147483671" r:id="rId11"/>
   </p:sldLayoutIdLst>
+  <mc:AlternateContent xmlns:mc="http://schemas.openxmlformats.org/markup-compatibility/2006" xmlns:p159="http://schemas.microsoft.com/office/powerpoint/2015/09/main">
+    <mc:Choice Requires="p159">
+      <p:transition>
+        <p159:morph option="byObject"/>
+      </p:transition>
+    </mc:Choice>
+    <mc:Fallback xmlns="">
+      <p:transition>
+        <p:fade/>
+      </p:transition>
+    </mc:Fallback>
+  </mc:AlternateContent>
   <p:txStyles>
     <p:titleStyle>
       <a:lvl1pPr algn="l" defTabSz="914400" rtl="0" eaLnBrk="1" latinLnBrk="0" hangingPunct="1">
@@ -3934,19 +4090,19 @@
         <p:spPr/>
         <p:txBody>
           <a:bodyPr>
-            <a:normAutofit/>
+            <a:normAutofit fontScale="92500"/>
           </a:bodyPr>
           <a:lstStyle/>
           <a:p>
             <a:r>
               <a:rPr lang="cs-CZ" sz="2800" dirty="0"/>
-              <a:t>Adam Pečenka</a:t>
+              <a:t>Autor: Adam Pečenka</a:t>
             </a:r>
           </a:p>
           <a:p>
             <a:r>
               <a:rPr lang="cs-CZ" sz="2800" dirty="0"/>
-              <a:t>Ing. Monika Borkovcová Ph.D.</a:t>
+              <a:t>Vedoucí práce: Ing. Monika Borkovcová Ph.D.</a:t>
             </a:r>
           </a:p>
         </p:txBody>
@@ -3961,6 +4117,18 @@
   <p:clrMapOvr>
     <a:masterClrMapping/>
   </p:clrMapOvr>
+  <mc:AlternateContent xmlns:mc="http://schemas.openxmlformats.org/markup-compatibility/2006" xmlns:p159="http://schemas.microsoft.com/office/powerpoint/2015/09/main">
+    <mc:Choice Requires="p159">
+      <p:transition>
+        <p159:morph option="byObject"/>
+      </p:transition>
+    </mc:Choice>
+    <mc:Fallback xmlns="">
+      <p:transition>
+        <p:fade/>
+      </p:transition>
+    </mc:Fallback>
+  </mc:AlternateContent>
 </p:sld>
 </file>
 
@@ -3986,6 +4154,1463 @@
           <p:cNvPr id="2" name="Nadpis 1">
             <a:extLst>
               <a:ext uri="{FF2B5EF4-FFF2-40B4-BE49-F238E27FC236}">
+                <a16:creationId xmlns:a16="http://schemas.microsoft.com/office/drawing/2014/main" id="{74E8E926-57F8-9D83-BCE1-8D88EF200BFA}"/>
+              </a:ext>
+            </a:extLst>
+          </p:cNvPr>
+          <p:cNvSpPr>
+            <a:spLocks noGrp="1"/>
+          </p:cNvSpPr>
+          <p:nvPr>
+            <p:ph type="title"/>
+          </p:nvPr>
+        </p:nvSpPr>
+        <p:spPr/>
+        <p:txBody>
+          <a:bodyPr>
+            <a:normAutofit fontScale="90000"/>
+          </a:bodyPr>
+          <a:lstStyle/>
+          <a:p>
+            <a:r>
+              <a:rPr lang="cs-CZ" dirty="0"/>
+              <a:t>V čem?</a:t>
+            </a:r>
+          </a:p>
+        </p:txBody>
+      </p:sp>
+      <p:sp>
+        <p:nvSpPr>
+          <p:cNvPr id="3" name="Zástupný obsah 2">
+            <a:extLst>
+              <a:ext uri="{FF2B5EF4-FFF2-40B4-BE49-F238E27FC236}">
+                <a16:creationId xmlns:a16="http://schemas.microsoft.com/office/drawing/2014/main" id="{8A06FB2B-7CB8-E74F-B5A0-E1F4A7554B00}"/>
+              </a:ext>
+            </a:extLst>
+          </p:cNvPr>
+          <p:cNvSpPr>
+            <a:spLocks noGrp="1"/>
+          </p:cNvSpPr>
+          <p:nvPr>
+            <p:ph idx="1"/>
+          </p:nvPr>
+        </p:nvSpPr>
+        <p:spPr/>
+        <p:txBody>
+          <a:bodyPr>
+            <a:normAutofit/>
+          </a:bodyPr>
+          <a:lstStyle/>
+          <a:p>
+            <a:r>
+              <a:rPr lang="cs-CZ" dirty="0"/>
+              <a:t>T3 </a:t>
+            </a:r>
+            <a:r>
+              <a:rPr lang="cs-CZ" dirty="0" err="1"/>
+              <a:t>Stack</a:t>
+            </a:r>
+            <a:endParaRPr lang="cs-CZ" dirty="0"/>
+          </a:p>
+          <a:p>
+            <a:pPr lvl="1"/>
+            <a:r>
+              <a:rPr lang="cs-CZ" dirty="0" err="1"/>
+              <a:t>Typescript</a:t>
+            </a:r>
+            <a:endParaRPr lang="cs-CZ" dirty="0"/>
+          </a:p>
+          <a:p>
+            <a:pPr lvl="1"/>
+            <a:r>
+              <a:rPr lang="cs-CZ" dirty="0" err="1"/>
+              <a:t>tRPC</a:t>
+            </a:r>
+            <a:endParaRPr lang="cs-CZ" dirty="0"/>
+          </a:p>
+          <a:p>
+            <a:pPr lvl="1"/>
+            <a:r>
+              <a:rPr lang="cs-CZ" dirty="0"/>
+              <a:t>Prisma</a:t>
+            </a:r>
+          </a:p>
+          <a:p>
+            <a:pPr lvl="1"/>
+            <a:r>
+              <a:rPr lang="cs-CZ" dirty="0" err="1"/>
+              <a:t>Tailwind</a:t>
+            </a:r>
+            <a:r>
+              <a:rPr lang="cs-CZ" dirty="0"/>
+              <a:t> + </a:t>
+            </a:r>
+            <a:r>
+              <a:rPr lang="cs-CZ" dirty="0" err="1"/>
+              <a:t>NextUI</a:t>
+            </a:r>
+            <a:endParaRPr lang="cs-CZ" dirty="0"/>
+          </a:p>
+          <a:p>
+            <a:pPr lvl="1"/>
+            <a:r>
+              <a:rPr lang="cs-CZ" dirty="0"/>
+              <a:t>Next.js</a:t>
+            </a:r>
+          </a:p>
+          <a:p>
+            <a:pPr lvl="1"/>
+            <a:r>
+              <a:rPr lang="cs-CZ" dirty="0" err="1"/>
+              <a:t>NextAuth</a:t>
+            </a:r>
+            <a:endParaRPr lang="cs-CZ" dirty="0"/>
+          </a:p>
+          <a:p>
+            <a:r>
+              <a:rPr lang="cs-CZ" dirty="0" err="1"/>
+              <a:t>PostgreSQL</a:t>
+            </a:r>
+            <a:endParaRPr lang="cs-CZ" dirty="0"/>
+          </a:p>
+          <a:p>
+            <a:pPr lvl="1"/>
+            <a:endParaRPr lang="cs-CZ" dirty="0"/>
+          </a:p>
+          <a:p>
+            <a:pPr lvl="1"/>
+            <a:endParaRPr lang="cs-CZ" dirty="0"/>
+          </a:p>
+        </p:txBody>
+      </p:sp>
+      <p:pic>
+        <p:nvPicPr>
+          <p:cNvPr id="4" name="Obrázek 3" descr="Obsah obrázku text, snímek obrazovky, software, Operační systém&#10;&#10;Popis byl vytvořen automaticky">
+            <a:extLst>
+              <a:ext uri="{FF2B5EF4-FFF2-40B4-BE49-F238E27FC236}">
+                <a16:creationId xmlns:a16="http://schemas.microsoft.com/office/drawing/2014/main" id="{FA890225-ACE4-877C-77A1-974D804EB5C3}"/>
+              </a:ext>
+            </a:extLst>
+          </p:cNvPr>
+          <p:cNvPicPr>
+            <a:picLocks noChangeAspect="1"/>
+          </p:cNvPicPr>
+          <p:nvPr/>
+        </p:nvPicPr>
+        <p:blipFill>
+          <a:blip r:embed="rId2">
+            <a:extLst>
+              <a:ext uri="{28A0092B-C50C-407E-A947-70E740481C1C}">
+                <a14:useLocalDpi xmlns:a14="http://schemas.microsoft.com/office/drawing/2010/main" val="0"/>
+              </a:ext>
+            </a:extLst>
+          </a:blip>
+          <a:stretch>
+            <a:fillRect/>
+          </a:stretch>
+        </p:blipFill>
+        <p:spPr>
+          <a:xfrm>
+            <a:off x="12192000" y="6858000"/>
+            <a:ext cx="2583648" cy="1419981"/>
+          </a:xfrm>
+          <a:prstGeom prst="rect">
+            <a:avLst/>
+          </a:prstGeom>
+        </p:spPr>
+      </p:pic>
+    </p:spTree>
+    <p:extLst>
+      <p:ext uri="{BB962C8B-B14F-4D97-AF65-F5344CB8AC3E}">
+        <p14:creationId xmlns:p14="http://schemas.microsoft.com/office/powerpoint/2010/main" val="696869312"/>
+      </p:ext>
+    </p:extLst>
+  </p:cSld>
+  <p:clrMapOvr>
+    <a:masterClrMapping/>
+  </p:clrMapOvr>
+  <mc:AlternateContent xmlns:mc="http://schemas.openxmlformats.org/markup-compatibility/2006" xmlns:p159="http://schemas.microsoft.com/office/powerpoint/2015/09/main">
+    <mc:Choice Requires="p159">
+      <p:transition>
+        <p159:morph option="byObject"/>
+      </p:transition>
+    </mc:Choice>
+    <mc:Fallback xmlns="">
+      <p:transition>
+        <p:fade/>
+      </p:transition>
+    </mc:Fallback>
+  </mc:AlternateContent>
+</p:sld>
+</file>
+
+<file path=ppt/slides/slide11.xml><?xml version="1.0" encoding="utf-8"?>
+<p:sld xmlns:a="http://schemas.openxmlformats.org/drawingml/2006/main" xmlns:r="http://schemas.openxmlformats.org/officeDocument/2006/relationships" xmlns:p="http://schemas.openxmlformats.org/presentationml/2006/main">
+  <p:cSld>
+    <p:spTree>
+      <p:nvGrpSpPr>
+        <p:cNvPr id="1" name=""/>
+        <p:cNvGrpSpPr/>
+        <p:nvPr/>
+      </p:nvGrpSpPr>
+      <p:grpSpPr>
+        <a:xfrm>
+          <a:off x="0" y="0"/>
+          <a:ext cx="0" cy="0"/>
+          <a:chOff x="0" y="0"/>
+          <a:chExt cx="0" cy="0"/>
+        </a:xfrm>
+      </p:grpSpPr>
+      <p:sp>
+        <p:nvSpPr>
+          <p:cNvPr id="2" name="Nadpis 1">
+            <a:extLst>
+              <a:ext uri="{FF2B5EF4-FFF2-40B4-BE49-F238E27FC236}">
+                <a16:creationId xmlns:a16="http://schemas.microsoft.com/office/drawing/2014/main" id="{222F7DD7-E0B5-E92F-5E9D-D594AF538419}"/>
+              </a:ext>
+            </a:extLst>
+          </p:cNvPr>
+          <p:cNvSpPr>
+            <a:spLocks noGrp="1"/>
+          </p:cNvSpPr>
+          <p:nvPr>
+            <p:ph type="title"/>
+          </p:nvPr>
+        </p:nvSpPr>
+        <p:spPr/>
+        <p:txBody>
+          <a:bodyPr>
+            <a:normAutofit fontScale="90000"/>
+          </a:bodyPr>
+          <a:lstStyle/>
+          <a:p>
+            <a:r>
+              <a:rPr lang="cs-CZ" dirty="0"/>
+              <a:t>Cíle práce</a:t>
+            </a:r>
+          </a:p>
+        </p:txBody>
+      </p:sp>
+      <p:sp>
+        <p:nvSpPr>
+          <p:cNvPr id="3" name="Zástupný obsah 2">
+            <a:extLst>
+              <a:ext uri="{FF2B5EF4-FFF2-40B4-BE49-F238E27FC236}">
+                <a16:creationId xmlns:a16="http://schemas.microsoft.com/office/drawing/2014/main" id="{53399600-AE7C-DC5B-B44A-8BE2447965AF}"/>
+              </a:ext>
+            </a:extLst>
+          </p:cNvPr>
+          <p:cNvSpPr>
+            <a:spLocks noGrp="1"/>
+          </p:cNvSpPr>
+          <p:nvPr>
+            <p:ph idx="1"/>
+          </p:nvPr>
+        </p:nvSpPr>
+        <p:spPr>
+          <a:xfrm>
+            <a:off x="1371600" y="1346662"/>
+            <a:ext cx="9601200" cy="5511338"/>
+          </a:xfrm>
+        </p:spPr>
+        <p:txBody>
+          <a:bodyPr>
+            <a:normAutofit fontScale="92500" lnSpcReduction="20000"/>
+          </a:bodyPr>
+          <a:lstStyle/>
+          <a:p>
+            <a:r>
+              <a:rPr lang="cs-CZ" dirty="0"/>
+              <a:t>Skupiny</a:t>
+            </a:r>
+          </a:p>
+          <a:p>
+            <a:pPr lvl="1"/>
+            <a:r>
+              <a:rPr lang="cs-CZ" dirty="0"/>
+              <a:t>Skupiny mají členy a základní správu uživatelů</a:t>
+            </a:r>
+          </a:p>
+          <a:p>
+            <a:r>
+              <a:rPr lang="cs-CZ" dirty="0"/>
+              <a:t>Úkoly</a:t>
+            </a:r>
+          </a:p>
+          <a:p>
+            <a:pPr lvl="1"/>
+            <a:r>
+              <a:rPr lang="cs-CZ" dirty="0"/>
+              <a:t>Úkoly mohou být přiřazeny uživatelům ve skupině</a:t>
+            </a:r>
+          </a:p>
+          <a:p>
+            <a:pPr lvl="1"/>
+            <a:r>
+              <a:rPr lang="cs-CZ" dirty="0"/>
+              <a:t>Mohou mít časová omezení</a:t>
+            </a:r>
+          </a:p>
+          <a:p>
+            <a:r>
+              <a:rPr lang="cs-CZ" dirty="0"/>
+              <a:t>Kalendář</a:t>
+            </a:r>
+          </a:p>
+          <a:p>
+            <a:pPr lvl="1"/>
+            <a:r>
+              <a:rPr lang="cs-CZ" dirty="0"/>
+              <a:t>Zobrazuje váš plán na den</a:t>
+            </a:r>
+          </a:p>
+          <a:p>
+            <a:r>
+              <a:rPr lang="cs-CZ" dirty="0"/>
+              <a:t>Kategorie</a:t>
+            </a:r>
+          </a:p>
+          <a:p>
+            <a:pPr lvl="1"/>
+            <a:r>
+              <a:rPr lang="cs-CZ" dirty="0"/>
+              <a:t>Úkolům mohou být přiřazeny jednotlivé kategorie</a:t>
+            </a:r>
+          </a:p>
+          <a:p>
+            <a:r>
+              <a:rPr lang="cs-CZ" dirty="0"/>
+              <a:t>Všechny objekty mohou být upraveny majitelem a majitelem nadřazené skupiny</a:t>
+            </a:r>
+          </a:p>
+        </p:txBody>
+      </p:sp>
+    </p:spTree>
+    <p:extLst>
+      <p:ext uri="{BB962C8B-B14F-4D97-AF65-F5344CB8AC3E}">
+        <p14:creationId xmlns:p14="http://schemas.microsoft.com/office/powerpoint/2010/main" val="420892739"/>
+      </p:ext>
+    </p:extLst>
+  </p:cSld>
+  <p:clrMapOvr>
+    <a:masterClrMapping/>
+  </p:clrMapOvr>
+  <mc:AlternateContent xmlns:mc="http://schemas.openxmlformats.org/markup-compatibility/2006" xmlns:p159="http://schemas.microsoft.com/office/powerpoint/2015/09/main">
+    <mc:Choice Requires="p159">
+      <p:transition>
+        <p159:morph option="byObject"/>
+      </p:transition>
+    </mc:Choice>
+    <mc:Fallback xmlns="">
+      <p:transition>
+        <p:fade/>
+      </p:transition>
+    </mc:Fallback>
+  </mc:AlternateContent>
+</p:sld>
+</file>
+
+<file path=ppt/slides/slide12.xml><?xml version="1.0" encoding="utf-8"?>
+<p:sld xmlns:a="http://schemas.openxmlformats.org/drawingml/2006/main" xmlns:r="http://schemas.openxmlformats.org/officeDocument/2006/relationships" xmlns:p="http://schemas.openxmlformats.org/presentationml/2006/main">
+  <p:cSld>
+    <p:spTree>
+      <p:nvGrpSpPr>
+        <p:cNvPr id="1" name=""/>
+        <p:cNvGrpSpPr/>
+        <p:nvPr/>
+      </p:nvGrpSpPr>
+      <p:grpSpPr>
+        <a:xfrm>
+          <a:off x="0" y="0"/>
+          <a:ext cx="0" cy="0"/>
+          <a:chOff x="0" y="0"/>
+          <a:chExt cx="0" cy="0"/>
+        </a:xfrm>
+      </p:grpSpPr>
+      <p:sp>
+        <p:nvSpPr>
+          <p:cNvPr id="2" name="Nadpis 1">
+            <a:extLst>
+              <a:ext uri="{FF2B5EF4-FFF2-40B4-BE49-F238E27FC236}">
+                <a16:creationId xmlns:a16="http://schemas.microsoft.com/office/drawing/2014/main" id="{6E68AAFE-C911-5D9F-3F64-0BE1E61A2297}"/>
+              </a:ext>
+            </a:extLst>
+          </p:cNvPr>
+          <p:cNvSpPr>
+            <a:spLocks noGrp="1"/>
+          </p:cNvSpPr>
+          <p:nvPr>
+            <p:ph type="title"/>
+          </p:nvPr>
+        </p:nvSpPr>
+        <p:spPr/>
+        <p:txBody>
+          <a:bodyPr>
+            <a:normAutofit fontScale="90000"/>
+          </a:bodyPr>
+          <a:lstStyle/>
+          <a:p>
+            <a:r>
+              <a:rPr lang="cs-CZ" dirty="0"/>
+              <a:t>Funkce a možnosti aplikace</a:t>
+            </a:r>
+          </a:p>
+        </p:txBody>
+      </p:sp>
+      <p:sp>
+        <p:nvSpPr>
+          <p:cNvPr id="3" name="Zástupný obsah 2">
+            <a:extLst>
+              <a:ext uri="{FF2B5EF4-FFF2-40B4-BE49-F238E27FC236}">
+                <a16:creationId xmlns:a16="http://schemas.microsoft.com/office/drawing/2014/main" id="{3E90331F-ECD3-0679-A5A6-24FED6265373}"/>
+              </a:ext>
+            </a:extLst>
+          </p:cNvPr>
+          <p:cNvSpPr>
+            <a:spLocks noGrp="1"/>
+          </p:cNvSpPr>
+          <p:nvPr>
+            <p:ph idx="1"/>
+          </p:nvPr>
+        </p:nvSpPr>
+        <p:spPr/>
+        <p:txBody>
+          <a:bodyPr>
+            <a:normAutofit/>
+          </a:bodyPr>
+          <a:lstStyle/>
+          <a:p>
+            <a:r>
+              <a:rPr lang="cs-CZ" dirty="0"/>
+              <a:t>Účty</a:t>
+            </a:r>
+          </a:p>
+          <a:p>
+            <a:pPr lvl="1"/>
+            <a:r>
+              <a:rPr lang="cs-CZ" dirty="0"/>
+              <a:t>Registrace, autorizace, mazání, …</a:t>
+            </a:r>
+          </a:p>
+          <a:p>
+            <a:r>
+              <a:rPr lang="cs-CZ" dirty="0"/>
+              <a:t>Skupiny</a:t>
+            </a:r>
+          </a:p>
+          <a:p>
+            <a:pPr lvl="1"/>
+            <a:r>
+              <a:rPr lang="cs-CZ" dirty="0"/>
+              <a:t>Správa uživatelů, úkolů, kategorií, úpravy vlastností, mazání</a:t>
+            </a:r>
+          </a:p>
+          <a:p>
+            <a:r>
+              <a:rPr lang="cs-CZ" dirty="0"/>
+              <a:t>Úkoly</a:t>
+            </a:r>
+          </a:p>
+          <a:p>
+            <a:pPr lvl="1"/>
+            <a:r>
+              <a:rPr lang="cs-CZ" dirty="0"/>
+              <a:t>Správa plnitelů, časová omezení, kategorizace, úpravy vlastností, mazání, klonování, splnění, potvrzování splnění</a:t>
+            </a:r>
+          </a:p>
+        </p:txBody>
+      </p:sp>
+    </p:spTree>
+    <p:extLst>
+      <p:ext uri="{BB962C8B-B14F-4D97-AF65-F5344CB8AC3E}">
+        <p14:creationId xmlns:p14="http://schemas.microsoft.com/office/powerpoint/2010/main" val="3174463043"/>
+      </p:ext>
+    </p:extLst>
+  </p:cSld>
+  <p:clrMapOvr>
+    <a:masterClrMapping/>
+  </p:clrMapOvr>
+  <mc:AlternateContent xmlns:mc="http://schemas.openxmlformats.org/markup-compatibility/2006" xmlns:p159="http://schemas.microsoft.com/office/powerpoint/2015/09/main">
+    <mc:Choice Requires="p159">
+      <p:transition>
+        <p159:morph option="byObject"/>
+      </p:transition>
+    </mc:Choice>
+    <mc:Fallback xmlns="">
+      <p:transition>
+        <p:fade/>
+      </p:transition>
+    </mc:Fallback>
+  </mc:AlternateContent>
+</p:sld>
+</file>
+
+<file path=ppt/slides/slide13.xml><?xml version="1.0" encoding="utf-8"?>
+<p:sld xmlns:a="http://schemas.openxmlformats.org/drawingml/2006/main" xmlns:r="http://schemas.openxmlformats.org/officeDocument/2006/relationships" xmlns:p="http://schemas.openxmlformats.org/presentationml/2006/main">
+  <p:cSld>
+    <p:spTree>
+      <p:nvGrpSpPr>
+        <p:cNvPr id="1" name=""/>
+        <p:cNvGrpSpPr/>
+        <p:nvPr/>
+      </p:nvGrpSpPr>
+      <p:grpSpPr>
+        <a:xfrm>
+          <a:off x="0" y="0"/>
+          <a:ext cx="0" cy="0"/>
+          <a:chOff x="0" y="0"/>
+          <a:chExt cx="0" cy="0"/>
+        </a:xfrm>
+      </p:grpSpPr>
+      <p:sp>
+        <p:nvSpPr>
+          <p:cNvPr id="2" name="Nadpis 1">
+            <a:extLst>
+              <a:ext uri="{FF2B5EF4-FFF2-40B4-BE49-F238E27FC236}">
+                <a16:creationId xmlns:a16="http://schemas.microsoft.com/office/drawing/2014/main" id="{6E68AAFE-C911-5D9F-3F64-0BE1E61A2297}"/>
+              </a:ext>
+            </a:extLst>
+          </p:cNvPr>
+          <p:cNvSpPr>
+            <a:spLocks noGrp="1"/>
+          </p:cNvSpPr>
+          <p:nvPr>
+            <p:ph type="title"/>
+          </p:nvPr>
+        </p:nvSpPr>
+        <p:spPr/>
+        <p:txBody>
+          <a:bodyPr>
+            <a:normAutofit fontScale="90000"/>
+          </a:bodyPr>
+          <a:lstStyle/>
+          <a:p>
+            <a:r>
+              <a:rPr lang="cs-CZ" dirty="0"/>
+              <a:t>Funkce a možnosti aplikace</a:t>
+            </a:r>
+          </a:p>
+        </p:txBody>
+      </p:sp>
+      <p:sp>
+        <p:nvSpPr>
+          <p:cNvPr id="3" name="Zástupný obsah 2">
+            <a:extLst>
+              <a:ext uri="{FF2B5EF4-FFF2-40B4-BE49-F238E27FC236}">
+                <a16:creationId xmlns:a16="http://schemas.microsoft.com/office/drawing/2014/main" id="{3E90331F-ECD3-0679-A5A6-24FED6265373}"/>
+              </a:ext>
+            </a:extLst>
+          </p:cNvPr>
+          <p:cNvSpPr>
+            <a:spLocks noGrp="1"/>
+          </p:cNvSpPr>
+          <p:nvPr>
+            <p:ph idx="1"/>
+          </p:nvPr>
+        </p:nvSpPr>
+        <p:spPr/>
+        <p:txBody>
+          <a:bodyPr>
+            <a:normAutofit lnSpcReduction="10000"/>
+          </a:bodyPr>
+          <a:lstStyle/>
+          <a:p>
+            <a:r>
+              <a:rPr lang="cs-CZ" dirty="0"/>
+              <a:t>Kategorie</a:t>
+            </a:r>
+          </a:p>
+          <a:p>
+            <a:pPr lvl="1"/>
+            <a:r>
+              <a:rPr lang="cs-CZ" dirty="0"/>
+              <a:t>Úprava vlastností, mazání, …</a:t>
+            </a:r>
+          </a:p>
+          <a:p>
+            <a:r>
+              <a:rPr lang="cs-CZ" dirty="0"/>
+              <a:t>Kalendář</a:t>
+            </a:r>
+          </a:p>
+          <a:p>
+            <a:pPr lvl="1"/>
+            <a:r>
+              <a:rPr lang="cs-CZ" dirty="0"/>
+              <a:t>Zobrazuje úkoly, které mají časové omezení</a:t>
+            </a:r>
+          </a:p>
+          <a:p>
+            <a:r>
+              <a:rPr lang="cs-CZ" dirty="0"/>
+              <a:t>Profily</a:t>
+            </a:r>
+          </a:p>
+          <a:p>
+            <a:pPr lvl="1"/>
+            <a:r>
+              <a:rPr lang="cs-CZ" dirty="0"/>
+              <a:t>Sledování poměru úkolů odevzdaných v čas a pozdě</a:t>
+            </a:r>
+          </a:p>
+          <a:p>
+            <a:pPr lvl="2"/>
+            <a:r>
+              <a:rPr lang="cs-CZ" dirty="0"/>
+              <a:t>Graf, slovní hodnocení</a:t>
+            </a:r>
+          </a:p>
+          <a:p>
+            <a:r>
+              <a:rPr lang="cs-CZ" dirty="0"/>
+              <a:t>Responzivita</a:t>
+            </a:r>
+          </a:p>
+          <a:p>
+            <a:endParaRPr lang="cs-CZ" dirty="0"/>
+          </a:p>
+        </p:txBody>
+      </p:sp>
+    </p:spTree>
+    <p:extLst>
+      <p:ext uri="{BB962C8B-B14F-4D97-AF65-F5344CB8AC3E}">
+        <p14:creationId xmlns:p14="http://schemas.microsoft.com/office/powerpoint/2010/main" val="2825889430"/>
+      </p:ext>
+    </p:extLst>
+  </p:cSld>
+  <p:clrMapOvr>
+    <a:masterClrMapping/>
+  </p:clrMapOvr>
+  <mc:AlternateContent xmlns:mc="http://schemas.openxmlformats.org/markup-compatibility/2006" xmlns:p159="http://schemas.microsoft.com/office/powerpoint/2015/09/main">
+    <mc:Choice Requires="p159">
+      <p:transition>
+        <p159:morph option="byObject"/>
+      </p:transition>
+    </mc:Choice>
+    <mc:Fallback xmlns="">
+      <p:transition>
+        <p:fade/>
+      </p:transition>
+    </mc:Fallback>
+  </mc:AlternateContent>
+</p:sld>
+</file>
+
+<file path=ppt/slides/slide14.xml><?xml version="1.0" encoding="utf-8"?>
+<p:sld xmlns:a="http://schemas.openxmlformats.org/drawingml/2006/main" xmlns:r="http://schemas.openxmlformats.org/officeDocument/2006/relationships" xmlns:p="http://schemas.openxmlformats.org/presentationml/2006/main">
+  <p:cSld>
+    <p:spTree>
+      <p:nvGrpSpPr>
+        <p:cNvPr id="1" name=""/>
+        <p:cNvGrpSpPr/>
+        <p:nvPr/>
+      </p:nvGrpSpPr>
+      <p:grpSpPr>
+        <a:xfrm>
+          <a:off x="0" y="0"/>
+          <a:ext cx="0" cy="0"/>
+          <a:chOff x="0" y="0"/>
+          <a:chExt cx="0" cy="0"/>
+        </a:xfrm>
+      </p:grpSpPr>
+      <p:sp>
+        <p:nvSpPr>
+          <p:cNvPr id="2" name="Nadpis 1">
+            <a:extLst>
+              <a:ext uri="{FF2B5EF4-FFF2-40B4-BE49-F238E27FC236}">
+                <a16:creationId xmlns:a16="http://schemas.microsoft.com/office/drawing/2014/main" id="{E9810E17-5F67-02F3-52AB-975EF06A7E44}"/>
+              </a:ext>
+            </a:extLst>
+          </p:cNvPr>
+          <p:cNvSpPr>
+            <a:spLocks noGrp="1"/>
+          </p:cNvSpPr>
+          <p:nvPr>
+            <p:ph type="ctrTitle"/>
+          </p:nvPr>
+        </p:nvSpPr>
+        <p:spPr/>
+        <p:txBody>
+          <a:bodyPr/>
+          <a:lstStyle/>
+          <a:p>
+            <a:r>
+              <a:rPr lang="cs-CZ" dirty="0"/>
+              <a:t>Architektura</a:t>
+            </a:r>
+          </a:p>
+        </p:txBody>
+      </p:sp>
+      <p:sp>
+        <p:nvSpPr>
+          <p:cNvPr id="3" name="Podnadpis 2">
+            <a:extLst>
+              <a:ext uri="{FF2B5EF4-FFF2-40B4-BE49-F238E27FC236}">
+                <a16:creationId xmlns:a16="http://schemas.microsoft.com/office/drawing/2014/main" id="{3B617C53-9ED2-E860-FD6E-AF0B98377E70}"/>
+              </a:ext>
+            </a:extLst>
+          </p:cNvPr>
+          <p:cNvSpPr>
+            <a:spLocks noGrp="1"/>
+          </p:cNvSpPr>
+          <p:nvPr>
+            <p:ph type="subTitle" idx="1"/>
+          </p:nvPr>
+        </p:nvSpPr>
+        <p:spPr/>
+        <p:txBody>
+          <a:bodyPr/>
+          <a:lstStyle/>
+          <a:p>
+            <a:endParaRPr lang="cs-CZ"/>
+          </a:p>
+        </p:txBody>
+      </p:sp>
+    </p:spTree>
+    <p:extLst>
+      <p:ext uri="{BB962C8B-B14F-4D97-AF65-F5344CB8AC3E}">
+        <p14:creationId xmlns:p14="http://schemas.microsoft.com/office/powerpoint/2010/main" val="3824111445"/>
+      </p:ext>
+    </p:extLst>
+  </p:cSld>
+  <p:clrMapOvr>
+    <a:masterClrMapping/>
+  </p:clrMapOvr>
+  <mc:AlternateContent xmlns:mc="http://schemas.openxmlformats.org/markup-compatibility/2006" xmlns:p159="http://schemas.microsoft.com/office/powerpoint/2015/09/main">
+    <mc:Choice Requires="p159">
+      <p:transition>
+        <p159:morph option="byObject"/>
+      </p:transition>
+    </mc:Choice>
+    <mc:Fallback xmlns="">
+      <p:transition>
+        <p:fade/>
+      </p:transition>
+    </mc:Fallback>
+  </mc:AlternateContent>
+</p:sld>
+</file>
+
+<file path=ppt/slides/slide15.xml><?xml version="1.0" encoding="utf-8"?>
+<p:sld xmlns:a="http://schemas.openxmlformats.org/drawingml/2006/main" xmlns:r="http://schemas.openxmlformats.org/officeDocument/2006/relationships" xmlns:p="http://schemas.openxmlformats.org/presentationml/2006/main">
+  <p:cSld>
+    <p:spTree>
+      <p:nvGrpSpPr>
+        <p:cNvPr id="1" name=""/>
+        <p:cNvGrpSpPr/>
+        <p:nvPr/>
+      </p:nvGrpSpPr>
+      <p:grpSpPr>
+        <a:xfrm>
+          <a:off x="0" y="0"/>
+          <a:ext cx="0" cy="0"/>
+          <a:chOff x="0" y="0"/>
+          <a:chExt cx="0" cy="0"/>
+        </a:xfrm>
+      </p:grpSpPr>
+      <p:sp>
+        <p:nvSpPr>
+          <p:cNvPr id="2" name="Nadpis 1">
+            <a:extLst>
+              <a:ext uri="{FF2B5EF4-FFF2-40B4-BE49-F238E27FC236}">
+                <a16:creationId xmlns:a16="http://schemas.microsoft.com/office/drawing/2014/main" id="{8D533D1F-2E3D-6EF0-D2F4-3916FDBFF221}"/>
+              </a:ext>
+            </a:extLst>
+          </p:cNvPr>
+          <p:cNvSpPr>
+            <a:spLocks noGrp="1"/>
+          </p:cNvSpPr>
+          <p:nvPr>
+            <p:ph type="title"/>
+          </p:nvPr>
+        </p:nvSpPr>
+        <p:spPr>
+          <a:xfrm>
+            <a:off x="709126" y="685800"/>
+            <a:ext cx="9601200" cy="660862"/>
+          </a:xfrm>
+        </p:spPr>
+        <p:txBody>
+          <a:bodyPr>
+            <a:normAutofit fontScale="90000"/>
+          </a:bodyPr>
+          <a:lstStyle/>
+          <a:p>
+            <a:r>
+              <a:rPr lang="cs-CZ" dirty="0"/>
+              <a:t>Architektura</a:t>
+            </a:r>
+          </a:p>
+        </p:txBody>
+      </p:sp>
+      <p:pic>
+        <p:nvPicPr>
+          <p:cNvPr id="1030" name="Picture 6">
+            <a:extLst>
+              <a:ext uri="{FF2B5EF4-FFF2-40B4-BE49-F238E27FC236}">
+                <a16:creationId xmlns:a16="http://schemas.microsoft.com/office/drawing/2014/main" id="{AF74B5AD-D81D-3745-AD47-93FBD6C61D79}"/>
+              </a:ext>
+            </a:extLst>
+          </p:cNvPr>
+          <p:cNvPicPr>
+            <a:picLocks noChangeAspect="1" noChangeArrowheads="1"/>
+          </p:cNvPicPr>
+          <p:nvPr/>
+        </p:nvPicPr>
+        <p:blipFill>
+          <a:blip r:embed="rId2">
+            <a:extLst>
+              <a:ext uri="{28A0092B-C50C-407E-A947-70E740481C1C}">
+                <a14:useLocalDpi xmlns:a14="http://schemas.microsoft.com/office/drawing/2010/main" val="0"/>
+              </a:ext>
+            </a:extLst>
+          </a:blip>
+          <a:srcRect/>
+          <a:stretch>
+            <a:fillRect/>
+          </a:stretch>
+        </p:blipFill>
+        <p:spPr bwMode="auto">
+          <a:xfrm>
+            <a:off x="3978275" y="0"/>
+            <a:ext cx="4233863" cy="6858000"/>
+          </a:xfrm>
+          <a:prstGeom prst="rect">
+            <a:avLst/>
+          </a:prstGeom>
+          <a:noFill/>
+          <a:extLst>
+            <a:ext uri="{909E8E84-426E-40DD-AFC4-6F175D3DCCD1}">
+              <a14:hiddenFill xmlns:a14="http://schemas.microsoft.com/office/drawing/2010/main">
+                <a:solidFill>
+                  <a:srgbClr val="FFFFFF"/>
+                </a:solidFill>
+              </a14:hiddenFill>
+            </a:ext>
+          </a:extLst>
+        </p:spPr>
+      </p:pic>
+      <p:pic>
+        <p:nvPicPr>
+          <p:cNvPr id="3" name="Obrázek 2">
+            <a:extLst>
+              <a:ext uri="{FF2B5EF4-FFF2-40B4-BE49-F238E27FC236}">
+                <a16:creationId xmlns:a16="http://schemas.microsoft.com/office/drawing/2014/main" id="{A2702C70-E91C-96C2-72C6-974C1FCF903E}"/>
+              </a:ext>
+            </a:extLst>
+          </p:cNvPr>
+          <p:cNvPicPr>
+            <a:picLocks noChangeAspect="1"/>
+          </p:cNvPicPr>
+          <p:nvPr/>
+        </p:nvPicPr>
+        <p:blipFill>
+          <a:blip r:embed="rId3"/>
+          <a:stretch>
+            <a:fillRect/>
+          </a:stretch>
+        </p:blipFill>
+        <p:spPr>
+          <a:xfrm>
+            <a:off x="12192000" y="-664273"/>
+            <a:ext cx="3024674" cy="664273"/>
+          </a:xfrm>
+          <a:prstGeom prst="rect">
+            <a:avLst/>
+          </a:prstGeom>
+        </p:spPr>
+      </p:pic>
+    </p:spTree>
+    <p:extLst>
+      <p:ext uri="{BB962C8B-B14F-4D97-AF65-F5344CB8AC3E}">
+        <p14:creationId xmlns:p14="http://schemas.microsoft.com/office/powerpoint/2010/main" val="3088684255"/>
+      </p:ext>
+    </p:extLst>
+  </p:cSld>
+  <p:clrMapOvr>
+    <a:masterClrMapping/>
+  </p:clrMapOvr>
+  <mc:AlternateContent xmlns:mc="http://schemas.openxmlformats.org/markup-compatibility/2006" xmlns:p159="http://schemas.microsoft.com/office/powerpoint/2015/09/main">
+    <mc:Choice Requires="p159">
+      <p:transition>
+        <p159:morph option="byObject"/>
+      </p:transition>
+    </mc:Choice>
+    <mc:Fallback xmlns="">
+      <p:transition>
+        <p:fade/>
+      </p:transition>
+    </mc:Fallback>
+  </mc:AlternateContent>
+</p:sld>
+</file>
+
+<file path=ppt/slides/slide16.xml><?xml version="1.0" encoding="utf-8"?>
+<p:sld xmlns:a="http://schemas.openxmlformats.org/drawingml/2006/main" xmlns:r="http://schemas.openxmlformats.org/officeDocument/2006/relationships" xmlns:p="http://schemas.openxmlformats.org/presentationml/2006/main">
+  <p:cSld>
+    <p:spTree>
+      <p:nvGrpSpPr>
+        <p:cNvPr id="1" name=""/>
+        <p:cNvGrpSpPr/>
+        <p:nvPr/>
+      </p:nvGrpSpPr>
+      <p:grpSpPr>
+        <a:xfrm>
+          <a:off x="0" y="0"/>
+          <a:ext cx="0" cy="0"/>
+          <a:chOff x="0" y="0"/>
+          <a:chExt cx="0" cy="0"/>
+        </a:xfrm>
+      </p:grpSpPr>
+      <p:sp>
+        <p:nvSpPr>
+          <p:cNvPr id="2" name="Nadpis 1">
+            <a:extLst>
+              <a:ext uri="{FF2B5EF4-FFF2-40B4-BE49-F238E27FC236}">
+                <a16:creationId xmlns:a16="http://schemas.microsoft.com/office/drawing/2014/main" id="{8D533D1F-2E3D-6EF0-D2F4-3916FDBFF221}"/>
+              </a:ext>
+            </a:extLst>
+          </p:cNvPr>
+          <p:cNvSpPr>
+            <a:spLocks noGrp="1"/>
+          </p:cNvSpPr>
+          <p:nvPr>
+            <p:ph type="title"/>
+          </p:nvPr>
+        </p:nvSpPr>
+        <p:spPr>
+          <a:xfrm>
+            <a:off x="709126" y="685800"/>
+            <a:ext cx="9601200" cy="660862"/>
+          </a:xfrm>
+        </p:spPr>
+        <p:txBody>
+          <a:bodyPr>
+            <a:normAutofit fontScale="90000"/>
+          </a:bodyPr>
+          <a:lstStyle/>
+          <a:p>
+            <a:r>
+              <a:rPr lang="cs-CZ" dirty="0"/>
+              <a:t>Architektura</a:t>
+            </a:r>
+          </a:p>
+        </p:txBody>
+      </p:sp>
+      <p:pic>
+        <p:nvPicPr>
+          <p:cNvPr id="1030" name="Picture 6">
+            <a:extLst>
+              <a:ext uri="{FF2B5EF4-FFF2-40B4-BE49-F238E27FC236}">
+                <a16:creationId xmlns:a16="http://schemas.microsoft.com/office/drawing/2014/main" id="{AF74B5AD-D81D-3745-AD47-93FBD6C61D79}"/>
+              </a:ext>
+            </a:extLst>
+          </p:cNvPr>
+          <p:cNvPicPr>
+            <a:picLocks noChangeAspect="1" noChangeArrowheads="1"/>
+          </p:cNvPicPr>
+          <p:nvPr/>
+        </p:nvPicPr>
+        <p:blipFill>
+          <a:blip r:embed="rId2">
+            <a:extLst>
+              <a:ext uri="{28A0092B-C50C-407E-A947-70E740481C1C}">
+                <a14:useLocalDpi xmlns:a14="http://schemas.microsoft.com/office/drawing/2010/main" val="0"/>
+              </a:ext>
+            </a:extLst>
+          </a:blip>
+          <a:srcRect/>
+          <a:stretch>
+            <a:fillRect/>
+          </a:stretch>
+        </p:blipFill>
+        <p:spPr bwMode="auto">
+          <a:xfrm>
+            <a:off x="12192000" y="6858000"/>
+            <a:ext cx="1341438" cy="2172858"/>
+          </a:xfrm>
+          <a:prstGeom prst="rect">
+            <a:avLst/>
+          </a:prstGeom>
+          <a:noFill/>
+          <a:extLst>
+            <a:ext uri="{909E8E84-426E-40DD-AFC4-6F175D3DCCD1}">
+              <a14:hiddenFill xmlns:a14="http://schemas.microsoft.com/office/drawing/2010/main">
+                <a:solidFill>
+                  <a:srgbClr val="FFFFFF"/>
+                </a:solidFill>
+              </a14:hiddenFill>
+            </a:ext>
+          </a:extLst>
+        </p:spPr>
+      </p:pic>
+      <p:pic>
+        <p:nvPicPr>
+          <p:cNvPr id="6" name="Obrázek 5">
+            <a:extLst>
+              <a:ext uri="{FF2B5EF4-FFF2-40B4-BE49-F238E27FC236}">
+                <a16:creationId xmlns:a16="http://schemas.microsoft.com/office/drawing/2014/main" id="{07126F00-1E51-5989-BC67-E043C8BA0851}"/>
+              </a:ext>
+            </a:extLst>
+          </p:cNvPr>
+          <p:cNvPicPr>
+            <a:picLocks noChangeAspect="1"/>
+          </p:cNvPicPr>
+          <p:nvPr/>
+        </p:nvPicPr>
+        <p:blipFill>
+          <a:blip r:embed="rId3"/>
+          <a:stretch>
+            <a:fillRect/>
+          </a:stretch>
+        </p:blipFill>
+        <p:spPr>
+          <a:xfrm>
+            <a:off x="709126" y="2223919"/>
+            <a:ext cx="10974332" cy="2410161"/>
+          </a:xfrm>
+          <a:prstGeom prst="rect">
+            <a:avLst/>
+          </a:prstGeom>
+        </p:spPr>
+      </p:pic>
+      <p:pic>
+        <p:nvPicPr>
+          <p:cNvPr id="9" name="Obrázek 8">
+            <a:extLst>
+              <a:ext uri="{FF2B5EF4-FFF2-40B4-BE49-F238E27FC236}">
+                <a16:creationId xmlns:a16="http://schemas.microsoft.com/office/drawing/2014/main" id="{428F2E32-1881-F64B-9959-2FC361A5F866}"/>
+              </a:ext>
+            </a:extLst>
+          </p:cNvPr>
+          <p:cNvPicPr>
+            <a:picLocks noChangeAspect="1"/>
+          </p:cNvPicPr>
+          <p:nvPr/>
+        </p:nvPicPr>
+        <p:blipFill>
+          <a:blip r:embed="rId4"/>
+          <a:stretch>
+            <a:fillRect/>
+          </a:stretch>
+        </p:blipFill>
+        <p:spPr>
+          <a:xfrm>
+            <a:off x="12192000" y="-1136344"/>
+            <a:ext cx="1604177" cy="1136344"/>
+          </a:xfrm>
+          <a:prstGeom prst="rect">
+            <a:avLst/>
+          </a:prstGeom>
+        </p:spPr>
+      </p:pic>
+    </p:spTree>
+    <p:extLst>
+      <p:ext uri="{BB962C8B-B14F-4D97-AF65-F5344CB8AC3E}">
+        <p14:creationId xmlns:p14="http://schemas.microsoft.com/office/powerpoint/2010/main" val="115150216"/>
+      </p:ext>
+    </p:extLst>
+  </p:cSld>
+  <p:clrMapOvr>
+    <a:masterClrMapping/>
+  </p:clrMapOvr>
+  <mc:AlternateContent xmlns:mc="http://schemas.openxmlformats.org/markup-compatibility/2006" xmlns:p159="http://schemas.microsoft.com/office/powerpoint/2015/09/main">
+    <mc:Choice Requires="p159">
+      <p:transition>
+        <p159:morph option="byObject"/>
+      </p:transition>
+    </mc:Choice>
+    <mc:Fallback xmlns="">
+      <p:transition>
+        <p:fade/>
+      </p:transition>
+    </mc:Fallback>
+  </mc:AlternateContent>
+</p:sld>
+</file>
+
+<file path=ppt/slides/slide17.xml><?xml version="1.0" encoding="utf-8"?>
+<p:sld xmlns:a="http://schemas.openxmlformats.org/drawingml/2006/main" xmlns:r="http://schemas.openxmlformats.org/officeDocument/2006/relationships" xmlns:p="http://schemas.openxmlformats.org/presentationml/2006/main">
+  <p:cSld>
+    <p:spTree>
+      <p:nvGrpSpPr>
+        <p:cNvPr id="1" name=""/>
+        <p:cNvGrpSpPr/>
+        <p:nvPr/>
+      </p:nvGrpSpPr>
+      <p:grpSpPr>
+        <a:xfrm>
+          <a:off x="0" y="0"/>
+          <a:ext cx="0" cy="0"/>
+          <a:chOff x="0" y="0"/>
+          <a:chExt cx="0" cy="0"/>
+        </a:xfrm>
+      </p:grpSpPr>
+      <p:sp>
+        <p:nvSpPr>
+          <p:cNvPr id="2" name="Nadpis 1">
+            <a:extLst>
+              <a:ext uri="{FF2B5EF4-FFF2-40B4-BE49-F238E27FC236}">
+                <a16:creationId xmlns:a16="http://schemas.microsoft.com/office/drawing/2014/main" id="{8D533D1F-2E3D-6EF0-D2F4-3916FDBFF221}"/>
+              </a:ext>
+            </a:extLst>
+          </p:cNvPr>
+          <p:cNvSpPr>
+            <a:spLocks noGrp="1"/>
+          </p:cNvSpPr>
+          <p:nvPr>
+            <p:ph type="title"/>
+          </p:nvPr>
+        </p:nvSpPr>
+        <p:spPr>
+          <a:xfrm>
+            <a:off x="709126" y="685800"/>
+            <a:ext cx="9601200" cy="660862"/>
+          </a:xfrm>
+        </p:spPr>
+        <p:txBody>
+          <a:bodyPr>
+            <a:normAutofit fontScale="90000"/>
+          </a:bodyPr>
+          <a:lstStyle/>
+          <a:p>
+            <a:r>
+              <a:rPr lang="cs-CZ" dirty="0"/>
+              <a:t>Architektura</a:t>
+            </a:r>
+          </a:p>
+        </p:txBody>
+      </p:sp>
+      <p:pic>
+        <p:nvPicPr>
+          <p:cNvPr id="6" name="Obrázek 5">
+            <a:extLst>
+              <a:ext uri="{FF2B5EF4-FFF2-40B4-BE49-F238E27FC236}">
+                <a16:creationId xmlns:a16="http://schemas.microsoft.com/office/drawing/2014/main" id="{07126F00-1E51-5989-BC67-E043C8BA0851}"/>
+              </a:ext>
+            </a:extLst>
+          </p:cNvPr>
+          <p:cNvPicPr>
+            <a:picLocks noChangeAspect="1"/>
+          </p:cNvPicPr>
+          <p:nvPr/>
+        </p:nvPicPr>
+        <p:blipFill>
+          <a:blip r:embed="rId2"/>
+          <a:stretch>
+            <a:fillRect/>
+          </a:stretch>
+        </p:blipFill>
+        <p:spPr>
+          <a:xfrm>
+            <a:off x="12192000" y="6858000"/>
+            <a:ext cx="2133058" cy="468458"/>
+          </a:xfrm>
+          <a:prstGeom prst="rect">
+            <a:avLst/>
+          </a:prstGeom>
+        </p:spPr>
+      </p:pic>
+      <p:pic>
+        <p:nvPicPr>
+          <p:cNvPr id="4" name="Obrázek 3">
+            <a:extLst>
+              <a:ext uri="{FF2B5EF4-FFF2-40B4-BE49-F238E27FC236}">
+                <a16:creationId xmlns:a16="http://schemas.microsoft.com/office/drawing/2014/main" id="{89B325DE-1A35-8C34-538D-BA61BCD2B512}"/>
+              </a:ext>
+            </a:extLst>
+          </p:cNvPr>
+          <p:cNvPicPr>
+            <a:picLocks noChangeAspect="1"/>
+          </p:cNvPicPr>
+          <p:nvPr/>
+        </p:nvPicPr>
+        <p:blipFill>
+          <a:blip r:embed="rId3"/>
+          <a:stretch>
+            <a:fillRect/>
+          </a:stretch>
+        </p:blipFill>
+        <p:spPr>
+          <a:xfrm>
+            <a:off x="2403037" y="1346662"/>
+            <a:ext cx="7385926" cy="5231938"/>
+          </a:xfrm>
+          <a:prstGeom prst="rect">
+            <a:avLst/>
+          </a:prstGeom>
+        </p:spPr>
+      </p:pic>
+    </p:spTree>
+    <p:extLst>
+      <p:ext uri="{BB962C8B-B14F-4D97-AF65-F5344CB8AC3E}">
+        <p14:creationId xmlns:p14="http://schemas.microsoft.com/office/powerpoint/2010/main" val="3765345860"/>
+      </p:ext>
+    </p:extLst>
+  </p:cSld>
+  <p:clrMapOvr>
+    <a:masterClrMapping/>
+  </p:clrMapOvr>
+  <mc:AlternateContent xmlns:mc="http://schemas.openxmlformats.org/markup-compatibility/2006" xmlns:p159="http://schemas.microsoft.com/office/powerpoint/2015/09/main">
+    <mc:Choice Requires="p159">
+      <p:transition>
+        <p159:morph option="byObject"/>
+      </p:transition>
+    </mc:Choice>
+    <mc:Fallback xmlns="">
+      <p:transition>
+        <p:fade/>
+      </p:transition>
+    </mc:Fallback>
+  </mc:AlternateContent>
+</p:sld>
+</file>
+
+<file path=ppt/slides/slide18.xml><?xml version="1.0" encoding="utf-8"?>
+<p:sld xmlns:a="http://schemas.openxmlformats.org/drawingml/2006/main" xmlns:r="http://schemas.openxmlformats.org/officeDocument/2006/relationships" xmlns:p="http://schemas.openxmlformats.org/presentationml/2006/main">
+  <p:cSld>
+    <p:spTree>
+      <p:nvGrpSpPr>
+        <p:cNvPr id="1" name=""/>
+        <p:cNvGrpSpPr/>
+        <p:nvPr/>
+      </p:nvGrpSpPr>
+      <p:grpSpPr>
+        <a:xfrm>
+          <a:off x="0" y="0"/>
+          <a:ext cx="0" cy="0"/>
+          <a:chOff x="0" y="0"/>
+          <a:chExt cx="0" cy="0"/>
+        </a:xfrm>
+      </p:grpSpPr>
+      <p:sp>
+        <p:nvSpPr>
+          <p:cNvPr id="2" name="Nadpis 1">
+            <a:extLst>
+              <a:ext uri="{FF2B5EF4-FFF2-40B4-BE49-F238E27FC236}">
+                <a16:creationId xmlns:a16="http://schemas.microsoft.com/office/drawing/2014/main" id="{C5C88C66-D94C-515E-B6DE-551829A56F3E}"/>
+              </a:ext>
+            </a:extLst>
+          </p:cNvPr>
+          <p:cNvSpPr>
+            <a:spLocks noGrp="1"/>
+          </p:cNvSpPr>
+          <p:nvPr>
+            <p:ph type="title"/>
+          </p:nvPr>
+        </p:nvSpPr>
+        <p:spPr/>
+        <p:txBody>
+          <a:bodyPr>
+            <a:normAutofit fontScale="90000"/>
+          </a:bodyPr>
+          <a:lstStyle/>
+          <a:p>
+            <a:r>
+              <a:rPr lang="cs-CZ" dirty="0"/>
+              <a:t>Architektura</a:t>
+            </a:r>
+          </a:p>
+        </p:txBody>
+      </p:sp>
+      <p:sp>
+        <p:nvSpPr>
+          <p:cNvPr id="3" name="Zástupný obsah 2">
+            <a:extLst>
+              <a:ext uri="{FF2B5EF4-FFF2-40B4-BE49-F238E27FC236}">
+                <a16:creationId xmlns:a16="http://schemas.microsoft.com/office/drawing/2014/main" id="{0DD57492-64FE-8F78-A259-A398F194A80F}"/>
+              </a:ext>
+            </a:extLst>
+          </p:cNvPr>
+          <p:cNvSpPr>
+            <a:spLocks noGrp="1"/>
+          </p:cNvSpPr>
+          <p:nvPr>
+            <p:ph idx="1"/>
+          </p:nvPr>
+        </p:nvSpPr>
+        <p:spPr>
+          <a:xfrm>
+            <a:off x="1371600" y="1030777"/>
+            <a:ext cx="9601200" cy="5548745"/>
+          </a:xfrm>
+        </p:spPr>
+        <p:txBody>
+          <a:bodyPr>
+            <a:normAutofit/>
+          </a:bodyPr>
+          <a:lstStyle/>
+          <a:p>
+            <a:r>
+              <a:rPr lang="cs-CZ" dirty="0"/>
+              <a:t>Klientská část: </a:t>
+            </a:r>
+          </a:p>
+          <a:p>
+            <a:pPr lvl="1"/>
+            <a:r>
+              <a:rPr lang="cs-CZ" dirty="0"/>
+              <a:t>Next.js s TS</a:t>
+            </a:r>
+          </a:p>
+          <a:p>
+            <a:pPr lvl="1"/>
+            <a:r>
+              <a:rPr lang="cs-CZ" dirty="0" err="1"/>
+              <a:t>TailwindCSS</a:t>
+            </a:r>
+            <a:r>
+              <a:rPr lang="cs-CZ" dirty="0"/>
+              <a:t> (+ </a:t>
+            </a:r>
+            <a:r>
+              <a:rPr lang="cs-CZ" dirty="0" err="1"/>
+              <a:t>PostCSS</a:t>
+            </a:r>
+            <a:r>
+              <a:rPr lang="cs-CZ" dirty="0"/>
+              <a:t>)</a:t>
+            </a:r>
+          </a:p>
+          <a:p>
+            <a:pPr lvl="2"/>
+            <a:r>
+              <a:rPr lang="cs-CZ" dirty="0"/>
+              <a:t>Na některé komponenty, např. tabulky bylo použito </a:t>
+            </a:r>
+            <a:r>
+              <a:rPr lang="cs-CZ" dirty="0" err="1"/>
+              <a:t>NextUI</a:t>
+            </a:r>
+            <a:endParaRPr lang="cs-CZ" dirty="0"/>
+          </a:p>
+          <a:p>
+            <a:r>
+              <a:rPr lang="cs-CZ" dirty="0"/>
+              <a:t>Serverová část:</a:t>
+            </a:r>
+          </a:p>
+          <a:p>
+            <a:pPr lvl="1"/>
+            <a:r>
+              <a:rPr lang="cs-CZ" dirty="0" err="1"/>
+              <a:t>Typescript</a:t>
+            </a:r>
+            <a:r>
+              <a:rPr lang="cs-CZ" dirty="0"/>
+              <a:t>, registrace pomocí </a:t>
+            </a:r>
+            <a:r>
+              <a:rPr lang="cs-CZ" dirty="0" err="1"/>
+              <a:t>NextAuth</a:t>
+            </a:r>
+            <a:endParaRPr lang="cs-CZ" dirty="0"/>
+          </a:p>
+          <a:p>
+            <a:pPr lvl="1"/>
+            <a:r>
+              <a:rPr lang="cs-CZ" dirty="0" err="1"/>
+              <a:t>tRPC</a:t>
+            </a:r>
+            <a:r>
+              <a:rPr lang="cs-CZ" dirty="0"/>
+              <a:t> API</a:t>
+            </a:r>
+          </a:p>
+          <a:p>
+            <a:pPr lvl="1"/>
+            <a:r>
+              <a:rPr lang="cs-CZ" dirty="0"/>
+              <a:t>Databázové ORM Prisma</a:t>
+            </a:r>
+          </a:p>
+          <a:p>
+            <a:pPr lvl="1"/>
+            <a:r>
+              <a:rPr lang="cs-CZ" dirty="0" err="1"/>
+              <a:t>PostgreSQL</a:t>
+            </a:r>
+            <a:endParaRPr lang="cs-CZ" dirty="0"/>
+          </a:p>
+        </p:txBody>
+      </p:sp>
+      <p:pic>
+        <p:nvPicPr>
+          <p:cNvPr id="6" name="Obrázek 5">
+            <a:extLst>
+              <a:ext uri="{FF2B5EF4-FFF2-40B4-BE49-F238E27FC236}">
+                <a16:creationId xmlns:a16="http://schemas.microsoft.com/office/drawing/2014/main" id="{D73125A8-427D-FB95-33E2-9FE6D0F31260}"/>
+              </a:ext>
+            </a:extLst>
+          </p:cNvPr>
+          <p:cNvPicPr>
+            <a:picLocks noChangeAspect="1"/>
+          </p:cNvPicPr>
+          <p:nvPr/>
+        </p:nvPicPr>
+        <p:blipFill>
+          <a:blip r:embed="rId2"/>
+          <a:stretch>
+            <a:fillRect/>
+          </a:stretch>
+        </p:blipFill>
+        <p:spPr>
+          <a:xfrm>
+            <a:off x="12192000" y="6858000"/>
+            <a:ext cx="1604177" cy="1136344"/>
+          </a:xfrm>
+          <a:prstGeom prst="rect">
+            <a:avLst/>
+          </a:prstGeom>
+        </p:spPr>
+      </p:pic>
+    </p:spTree>
+    <p:extLst>
+      <p:ext uri="{BB962C8B-B14F-4D97-AF65-F5344CB8AC3E}">
+        <p14:creationId xmlns:p14="http://schemas.microsoft.com/office/powerpoint/2010/main" val="4121849484"/>
+      </p:ext>
+    </p:extLst>
+  </p:cSld>
+  <p:clrMapOvr>
+    <a:masterClrMapping/>
+  </p:clrMapOvr>
+  <mc:AlternateContent xmlns:mc="http://schemas.openxmlformats.org/markup-compatibility/2006" xmlns:p159="http://schemas.microsoft.com/office/powerpoint/2015/09/main">
+    <mc:Choice Requires="p159">
+      <p:transition>
+        <p159:morph option="byObject"/>
+      </p:transition>
+    </mc:Choice>
+    <mc:Fallback xmlns="">
+      <p:transition>
+        <p:fade/>
+      </p:transition>
+    </mc:Fallback>
+  </mc:AlternateContent>
+</p:sld>
+</file>
+
+<file path=ppt/slides/slide19.xml><?xml version="1.0" encoding="utf-8"?>
+<p:sld xmlns:a="http://schemas.openxmlformats.org/drawingml/2006/main" xmlns:r="http://schemas.openxmlformats.org/officeDocument/2006/relationships" xmlns:p="http://schemas.openxmlformats.org/presentationml/2006/main">
+  <p:cSld>
+    <p:spTree>
+      <p:nvGrpSpPr>
+        <p:cNvPr id="1" name=""/>
+        <p:cNvGrpSpPr/>
+        <p:nvPr/>
+      </p:nvGrpSpPr>
+      <p:grpSpPr>
+        <a:xfrm>
+          <a:off x="0" y="0"/>
+          <a:ext cx="0" cy="0"/>
+          <a:chOff x="0" y="0"/>
+          <a:chExt cx="0" cy="0"/>
+        </a:xfrm>
+      </p:grpSpPr>
+      <p:sp>
+        <p:nvSpPr>
+          <p:cNvPr id="2" name="Nadpis 1">
+            <a:extLst>
+              <a:ext uri="{FF2B5EF4-FFF2-40B4-BE49-F238E27FC236}">
                 <a16:creationId xmlns:a16="http://schemas.microsoft.com/office/drawing/2014/main" id="{E9810E17-5F67-02F3-52AB-975EF06A7E44}"/>
               </a:ext>
             </a:extLst>
@@ -4044,10 +5669,197 @@
   <p:clrMapOvr>
     <a:masterClrMapping/>
   </p:clrMapOvr>
+  <mc:AlternateContent xmlns:mc="http://schemas.openxmlformats.org/markup-compatibility/2006" xmlns:p159="http://schemas.microsoft.com/office/powerpoint/2015/09/main">
+    <mc:Choice Requires="p159">
+      <p:transition>
+        <p159:morph option="byObject"/>
+      </p:transition>
+    </mc:Choice>
+    <mc:Fallback xmlns="">
+      <p:transition>
+        <p:fade/>
+      </p:transition>
+    </mc:Fallback>
+  </mc:AlternateContent>
 </p:sld>
 </file>
 
-<file path=ppt/slides/slide11.xml><?xml version="1.0" encoding="utf-8"?>
+<file path=ppt/slides/slide2.xml><?xml version="1.0" encoding="utf-8"?>
+<p:sld xmlns:a="http://schemas.openxmlformats.org/drawingml/2006/main" xmlns:r="http://schemas.openxmlformats.org/officeDocument/2006/relationships" xmlns:p="http://schemas.openxmlformats.org/presentationml/2006/main">
+  <p:cSld>
+    <p:spTree>
+      <p:nvGrpSpPr>
+        <p:cNvPr id="1" name=""/>
+        <p:cNvGrpSpPr/>
+        <p:nvPr/>
+      </p:nvGrpSpPr>
+      <p:grpSpPr>
+        <a:xfrm>
+          <a:off x="0" y="0"/>
+          <a:ext cx="0" cy="0"/>
+          <a:chOff x="0" y="0"/>
+          <a:chExt cx="0" cy="0"/>
+        </a:xfrm>
+      </p:grpSpPr>
+      <p:sp>
+        <p:nvSpPr>
+          <p:cNvPr id="2" name="Nadpis 1">
+            <a:extLst>
+              <a:ext uri="{FF2B5EF4-FFF2-40B4-BE49-F238E27FC236}">
+                <a16:creationId xmlns:a16="http://schemas.microsoft.com/office/drawing/2014/main" id="{5F6FB6B5-D877-1050-1D0F-B679EAC0A187}"/>
+              </a:ext>
+            </a:extLst>
+          </p:cNvPr>
+          <p:cNvSpPr>
+            <a:spLocks noGrp="1"/>
+          </p:cNvSpPr>
+          <p:nvPr>
+            <p:ph type="title"/>
+          </p:nvPr>
+        </p:nvSpPr>
+        <p:spPr/>
+        <p:txBody>
+          <a:bodyPr>
+            <a:normAutofit fontScale="90000"/>
+          </a:bodyPr>
+          <a:lstStyle/>
+          <a:p>
+            <a:r>
+              <a:rPr lang="cs-CZ" dirty="0"/>
+              <a:t>Co?</a:t>
+            </a:r>
+          </a:p>
+        </p:txBody>
+      </p:sp>
+      <p:sp>
+        <p:nvSpPr>
+          <p:cNvPr id="3" name="Zástupný obsah 2">
+            <a:extLst>
+              <a:ext uri="{FF2B5EF4-FFF2-40B4-BE49-F238E27FC236}">
+                <a16:creationId xmlns:a16="http://schemas.microsoft.com/office/drawing/2014/main" id="{BC404851-CBFF-7CD1-3C68-67C4AD0DD096}"/>
+              </a:ext>
+            </a:extLst>
+          </p:cNvPr>
+          <p:cNvSpPr>
+            <a:spLocks noGrp="1"/>
+          </p:cNvSpPr>
+          <p:nvPr>
+            <p:ph idx="1"/>
+          </p:nvPr>
+        </p:nvSpPr>
+        <p:spPr/>
+        <p:txBody>
+          <a:bodyPr/>
+          <a:lstStyle/>
+          <a:p>
+            <a:r>
+              <a:rPr lang="cs-CZ" dirty="0"/>
+              <a:t>Maturitní projekt: Webová aplikace pro rodinné úkoly - </a:t>
+            </a:r>
+            <a:r>
+              <a:rPr lang="cs-CZ" dirty="0" err="1"/>
+              <a:t>DuDat</a:t>
+            </a:r>
+            <a:endParaRPr lang="cs-CZ" dirty="0"/>
+          </a:p>
+          <a:p>
+            <a:pPr lvl="1"/>
+            <a:r>
+              <a:rPr lang="cs-CZ" dirty="0"/>
+              <a:t>Webová aplikace umožňující skupinám, a jednotlivcům, zadávat úkoly nebo přání svým členům</a:t>
+            </a:r>
+          </a:p>
+          <a:p>
+            <a:endParaRPr lang="cs-CZ" dirty="0"/>
+          </a:p>
+        </p:txBody>
+      </p:sp>
+      <p:pic>
+        <p:nvPicPr>
+          <p:cNvPr id="5" name="Obrázek 4">
+            <a:extLst>
+              <a:ext uri="{FF2B5EF4-FFF2-40B4-BE49-F238E27FC236}">
+                <a16:creationId xmlns:a16="http://schemas.microsoft.com/office/drawing/2014/main" id="{F91DD046-6CED-A206-D1EC-D9E6442C97AC}"/>
+              </a:ext>
+            </a:extLst>
+          </p:cNvPr>
+          <p:cNvPicPr>
+            <a:picLocks noChangeAspect="1"/>
+          </p:cNvPicPr>
+          <p:nvPr/>
+        </p:nvPicPr>
+        <p:blipFill>
+          <a:blip r:embed="rId2"/>
+          <a:stretch>
+            <a:fillRect/>
+          </a:stretch>
+        </p:blipFill>
+        <p:spPr>
+          <a:xfrm rot="19705631">
+            <a:off x="12634494" y="5820879"/>
+            <a:ext cx="3844212" cy="1851883"/>
+          </a:xfrm>
+          <a:prstGeom prst="rect">
+            <a:avLst/>
+          </a:prstGeom>
+        </p:spPr>
+      </p:pic>
+      <p:pic>
+        <p:nvPicPr>
+          <p:cNvPr id="9" name="Obrázek 8">
+            <a:extLst>
+              <a:ext uri="{FF2B5EF4-FFF2-40B4-BE49-F238E27FC236}">
+                <a16:creationId xmlns:a16="http://schemas.microsoft.com/office/drawing/2014/main" id="{27971F17-6026-274E-203E-8943B8A70C5C}"/>
+              </a:ext>
+            </a:extLst>
+          </p:cNvPr>
+          <p:cNvPicPr>
+            <a:picLocks noChangeAspect="1"/>
+          </p:cNvPicPr>
+          <p:nvPr/>
+        </p:nvPicPr>
+        <p:blipFill>
+          <a:blip r:embed="rId3"/>
+          <a:stretch>
+            <a:fillRect/>
+          </a:stretch>
+        </p:blipFill>
+        <p:spPr>
+          <a:xfrm>
+            <a:off x="12192000" y="-1833917"/>
+            <a:ext cx="3844212" cy="1833917"/>
+          </a:xfrm>
+          <a:prstGeom prst="rect">
+            <a:avLst/>
+          </a:prstGeom>
+        </p:spPr>
+      </p:pic>
+    </p:spTree>
+    <p:extLst>
+      <p:ext uri="{BB962C8B-B14F-4D97-AF65-F5344CB8AC3E}">
+        <p14:creationId xmlns:p14="http://schemas.microsoft.com/office/powerpoint/2010/main" val="3237136149"/>
+      </p:ext>
+    </p:extLst>
+  </p:cSld>
+  <p:clrMapOvr>
+    <a:masterClrMapping/>
+  </p:clrMapOvr>
+  <mc:AlternateContent xmlns:mc="http://schemas.openxmlformats.org/markup-compatibility/2006" xmlns:p159="http://schemas.microsoft.com/office/powerpoint/2015/09/main">
+    <mc:Choice Requires="p159">
+      <p:transition>
+        <p159:morph option="byObject"/>
+      </p:transition>
+    </mc:Choice>
+    <mc:Fallback xmlns="">
+      <p:transition>
+        <p:fade/>
+      </p:transition>
+    </mc:Fallback>
+  </mc:AlternateContent>
+</p:sld>
+</file>
+
+<file path=ppt/slides/slide20.xml><?xml version="1.0" encoding="utf-8"?>
 <p:sld xmlns:a="http://schemas.openxmlformats.org/drawingml/2006/main" xmlns:r="http://schemas.openxmlformats.org/officeDocument/2006/relationships" xmlns:p="http://schemas.openxmlformats.org/presentationml/2006/main">
   <p:cSld>
     <p:spTree>
@@ -4110,10 +5922,22 @@
   <p:clrMapOvr>
     <a:masterClrMapping/>
   </p:clrMapOvr>
+  <mc:AlternateContent xmlns:mc="http://schemas.openxmlformats.org/markup-compatibility/2006" xmlns:p159="http://schemas.microsoft.com/office/powerpoint/2015/09/main">
+    <mc:Choice Requires="p159">
+      <p:transition>
+        <p159:morph option="byObject"/>
+      </p:transition>
+    </mc:Choice>
+    <mc:Fallback xmlns="">
+      <p:transition>
+        <p:fade/>
+      </p:transition>
+    </mc:Fallback>
+  </mc:AlternateContent>
 </p:sld>
 </file>
 
-<file path=ppt/slides/slide12.xml><?xml version="1.0" encoding="utf-8"?>
+<file path=ppt/slides/slide21.xml><?xml version="1.0" encoding="utf-8"?>
 <p:sld xmlns:a="http://schemas.openxmlformats.org/drawingml/2006/main" xmlns:r="http://schemas.openxmlformats.org/officeDocument/2006/relationships" xmlns:p="http://schemas.openxmlformats.org/presentationml/2006/main">
   <p:cSld>
     <p:spTree>
@@ -4135,7 +5959,7 @@
           <p:cNvPr id="2" name="Nadpis 1">
             <a:extLst>
               <a:ext uri="{FF2B5EF4-FFF2-40B4-BE49-F238E27FC236}">
-                <a16:creationId xmlns:a16="http://schemas.microsoft.com/office/drawing/2014/main" id="{9958DA0A-A297-3FA6-52EE-4358721F9395}"/>
+                <a16:creationId xmlns:a16="http://schemas.microsoft.com/office/drawing/2014/main" id="{D8E20A72-BD41-3CFE-92EA-9D6CEF7E95D4}"/>
               </a:ext>
             </a:extLst>
           </p:cNvPr>
@@ -4143,27 +5967,29 @@
             <a:spLocks noGrp="1"/>
           </p:cNvSpPr>
           <p:nvPr>
-            <p:ph type="ctrTitle"/>
+            <p:ph type="title"/>
           </p:nvPr>
         </p:nvSpPr>
         <p:spPr/>
         <p:txBody>
-          <a:bodyPr/>
+          <a:bodyPr>
+            <a:normAutofit fontScale="90000"/>
+          </a:bodyPr>
           <a:lstStyle/>
           <a:p>
             <a:r>
               <a:rPr lang="cs-CZ" dirty="0"/>
-              <a:t>API a BACKEND</a:t>
-            </a:r>
-          </a:p>
-        </p:txBody>
-      </p:sp>
-      <p:sp>
-        <p:nvSpPr>
-          <p:cNvPr id="3" name="Podnadpis 2">
+              <a:t>Struktura relací</a:t>
+            </a:r>
+          </a:p>
+        </p:txBody>
+      </p:sp>
+      <p:sp>
+        <p:nvSpPr>
+          <p:cNvPr id="3" name="Zástupný obsah 2">
             <a:extLst>
               <a:ext uri="{FF2B5EF4-FFF2-40B4-BE49-F238E27FC236}">
-                <a16:creationId xmlns:a16="http://schemas.microsoft.com/office/drawing/2014/main" id="{29738B56-BFD3-5F87-CC8D-F051AEDD3639}"/>
+                <a16:creationId xmlns:a16="http://schemas.microsoft.com/office/drawing/2014/main" id="{AEA97281-17FB-2B27-8FC8-903FFFC5CEAE}"/>
               </a:ext>
             </a:extLst>
           </p:cNvPr>
@@ -4171,7 +5997,7 @@
             <a:spLocks noGrp="1"/>
           </p:cNvSpPr>
           <p:nvPr>
-            <p:ph type="subTitle" idx="1"/>
+            <p:ph idx="1"/>
           </p:nvPr>
         </p:nvSpPr>
         <p:spPr/>
@@ -4179,24 +6005,53 @@
           <a:bodyPr/>
           <a:lstStyle/>
           <a:p>
-            <a:endParaRPr lang="cs-CZ"/>
+            <a:r>
+              <a:rPr lang="cs-CZ" dirty="0"/>
+              <a:t>Nepoužívají se M:M relace, ale 1:M:1</a:t>
+            </a:r>
+          </a:p>
+          <a:p>
+            <a:pPr lvl="1"/>
+            <a:r>
+              <a:rPr lang="cs-CZ" dirty="0"/>
+              <a:t>1 uživatel : M členství : 1 skupina</a:t>
+            </a:r>
+          </a:p>
+          <a:p>
+            <a:pPr lvl="1"/>
+            <a:r>
+              <a:rPr lang="cs-CZ" dirty="0"/>
+              <a:t>Vyhneme se tak duplicitním záznamům</a:t>
+            </a:r>
           </a:p>
         </p:txBody>
       </p:sp>
     </p:spTree>
     <p:extLst>
       <p:ext uri="{BB962C8B-B14F-4D97-AF65-F5344CB8AC3E}">
-        <p14:creationId xmlns:p14="http://schemas.microsoft.com/office/powerpoint/2010/main" val="3648454656"/>
+        <p14:creationId xmlns:p14="http://schemas.microsoft.com/office/powerpoint/2010/main" val="1538128466"/>
       </p:ext>
     </p:extLst>
   </p:cSld>
   <p:clrMapOvr>
     <a:masterClrMapping/>
   </p:clrMapOvr>
+  <mc:AlternateContent xmlns:mc="http://schemas.openxmlformats.org/markup-compatibility/2006" xmlns:p159="http://schemas.microsoft.com/office/powerpoint/2015/09/main">
+    <mc:Choice Requires="p159">
+      <p:transition>
+        <p159:morph option="byObject"/>
+      </p:transition>
+    </mc:Choice>
+    <mc:Fallback xmlns="">
+      <p:transition>
+        <p:fade/>
+      </p:transition>
+    </mc:Fallback>
+  </mc:AlternateContent>
 </p:sld>
 </file>
 
-<file path=ppt/slides/slide13.xml><?xml version="1.0" encoding="utf-8"?>
+<file path=ppt/slides/slide22.xml><?xml version="1.0" encoding="utf-8"?>
 <p:sld xmlns:a="http://schemas.openxmlformats.org/drawingml/2006/main" xmlns:r="http://schemas.openxmlformats.org/officeDocument/2006/relationships" xmlns:p="http://schemas.openxmlformats.org/presentationml/2006/main">
   <p:cSld>
     <p:spTree>
@@ -4218,7 +6073,7 @@
           <p:cNvPr id="2" name="Nadpis 1">
             <a:extLst>
               <a:ext uri="{FF2B5EF4-FFF2-40B4-BE49-F238E27FC236}">
-                <a16:creationId xmlns:a16="http://schemas.microsoft.com/office/drawing/2014/main" id="{6902A8EA-B7BD-C7B5-26B0-87354EE94C21}"/>
+                <a16:creationId xmlns:a16="http://schemas.microsoft.com/office/drawing/2014/main" id="{B95A7D78-57A9-8E9D-73B0-C8EA66D5E8DE}"/>
               </a:ext>
             </a:extLst>
           </p:cNvPr>
@@ -4231,10 +6086,15 @@
         </p:nvSpPr>
         <p:spPr/>
         <p:txBody>
-          <a:bodyPr/>
+          <a:bodyPr>
+            <a:normAutofit fontScale="90000"/>
+          </a:bodyPr>
           <a:lstStyle/>
           <a:p>
-            <a:endParaRPr lang="cs-CZ" dirty="0"/>
+            <a:r>
+              <a:rPr lang="cs-CZ" dirty="0"/>
+              <a:t>Jak pozná aplikace co je přání a co úkol?</a:t>
+            </a:r>
           </a:p>
         </p:txBody>
       </p:sp>
@@ -4243,7 +6103,7 @@
           <p:cNvPr id="3" name="Zástupný obsah 2">
             <a:extLst>
               <a:ext uri="{FF2B5EF4-FFF2-40B4-BE49-F238E27FC236}">
-                <a16:creationId xmlns:a16="http://schemas.microsoft.com/office/drawing/2014/main" id="{80DA2664-2D9B-11AE-7FEC-5C39B382CFE1}"/>
+                <a16:creationId xmlns:a16="http://schemas.microsoft.com/office/drawing/2014/main" id="{92C1773B-AB53-BDD2-58E5-24680DFBB223}"/>
               </a:ext>
             </a:extLst>
           </p:cNvPr>
@@ -4260,58 +6120,36 @@
           <a:lstStyle/>
           <a:p>
             <a:r>
+              <a:rPr lang="cs-CZ" dirty="0"/>
+              <a:t>Na serveru a v databázi je úkol a přání to samé</a:t>
+            </a:r>
+          </a:p>
+          <a:p>
+            <a:pPr lvl="1"/>
+            <a:r>
+              <a:rPr lang="cs-CZ" dirty="0"/>
+              <a:t>Nemusíme tak v databázi uchovávat 2 téměř identické objekty nebo převádět přání na úkol</a:t>
+            </a:r>
+          </a:p>
+          <a:p>
+            <a:pPr lvl="2"/>
+            <a:r>
+              <a:rPr lang="cs-CZ" dirty="0"/>
+              <a:t>Také se vyhneme vytváření dalšího Api Routeru</a:t>
+            </a:r>
+          </a:p>
+          <a:p>
+            <a:r>
+              <a:rPr lang="cs-CZ" dirty="0"/>
+              <a:t>U klienta je úkol filtrován a označen jako přání pokud je počet jeho plnitelů (</a:t>
+            </a:r>
+            <a:r>
               <a:rPr lang="cs-CZ" dirty="0" err="1"/>
-              <a:t>Typescript</a:t>
-            </a:r>
-            <a:endParaRPr lang="cs-CZ" dirty="0"/>
-          </a:p>
-          <a:p>
-            <a:r>
-              <a:rPr lang="cs-CZ" dirty="0"/>
-              <a:t>API psané v </a:t>
-            </a:r>
-            <a:r>
-              <a:rPr lang="cs-CZ" dirty="0" err="1"/>
-              <a:t>tRPC</a:t>
-            </a:r>
-            <a:endParaRPr lang="cs-CZ" dirty="0"/>
-          </a:p>
-          <a:p>
-            <a:pPr lvl="1"/>
-            <a:r>
-              <a:rPr lang="cs-CZ" dirty="0"/>
-              <a:t>Rozdělené na 4 routery</a:t>
-            </a:r>
-          </a:p>
-          <a:p>
-            <a:pPr lvl="2"/>
-            <a:r>
-              <a:rPr lang="cs-CZ" dirty="0" err="1"/>
-              <a:t>Tasks</a:t>
-            </a:r>
-            <a:endParaRPr lang="cs-CZ" dirty="0"/>
-          </a:p>
-          <a:p>
-            <a:pPr lvl="2"/>
-            <a:r>
-              <a:rPr lang="cs-CZ" dirty="0" err="1"/>
-              <a:t>Categories</a:t>
-            </a:r>
-            <a:endParaRPr lang="cs-CZ" dirty="0"/>
-          </a:p>
-          <a:p>
-            <a:pPr lvl="2"/>
-            <a:r>
-              <a:rPr lang="cs-CZ" dirty="0" err="1"/>
-              <a:t>Groups</a:t>
-            </a:r>
-            <a:endParaRPr lang="cs-CZ" dirty="0"/>
-          </a:p>
-          <a:p>
-            <a:pPr lvl="2"/>
-            <a:r>
-              <a:rPr lang="cs-CZ" dirty="0" err="1"/>
-              <a:t>Users</a:t>
+              <a:t>assignees</a:t>
+            </a:r>
+            <a:r>
+              <a:rPr lang="en-US" dirty="0"/>
+              <a:t>[]) 0</a:t>
             </a:r>
             <a:endParaRPr lang="cs-CZ" dirty="0"/>
           </a:p>
@@ -4320,17 +6158,29 @@
     </p:spTree>
     <p:extLst>
       <p:ext uri="{BB962C8B-B14F-4D97-AF65-F5344CB8AC3E}">
-        <p14:creationId xmlns:p14="http://schemas.microsoft.com/office/powerpoint/2010/main" val="2499420092"/>
+        <p14:creationId xmlns:p14="http://schemas.microsoft.com/office/powerpoint/2010/main" val="339635633"/>
       </p:ext>
     </p:extLst>
   </p:cSld>
   <p:clrMapOvr>
     <a:masterClrMapping/>
   </p:clrMapOvr>
+  <mc:AlternateContent xmlns:mc="http://schemas.openxmlformats.org/markup-compatibility/2006" xmlns:p159="http://schemas.microsoft.com/office/powerpoint/2015/09/main">
+    <mc:Choice Requires="p159">
+      <p:transition>
+        <p159:morph option="byObject"/>
+      </p:transition>
+    </mc:Choice>
+    <mc:Fallback xmlns="">
+      <p:transition>
+        <p:fade/>
+      </p:transition>
+    </mc:Fallback>
+  </mc:AlternateContent>
 </p:sld>
 </file>
 
-<file path=ppt/slides/slide14.xml><?xml version="1.0" encoding="utf-8"?>
+<file path=ppt/slides/slide23.xml><?xml version="1.0" encoding="utf-8"?>
 <p:sld xmlns:a="http://schemas.openxmlformats.org/drawingml/2006/main" xmlns:r="http://schemas.openxmlformats.org/officeDocument/2006/relationships" xmlns:p="http://schemas.openxmlformats.org/presentationml/2006/main">
   <p:cSld>
     <p:spTree>
@@ -4352,7 +6202,7 @@
           <p:cNvPr id="2" name="Nadpis 1">
             <a:extLst>
               <a:ext uri="{FF2B5EF4-FFF2-40B4-BE49-F238E27FC236}">
-                <a16:creationId xmlns:a16="http://schemas.microsoft.com/office/drawing/2014/main" id="{4C4DC250-E02B-319E-AFF3-407761C4A4AD}"/>
+                <a16:creationId xmlns:a16="http://schemas.microsoft.com/office/drawing/2014/main" id="{DDBD89A4-DB35-C076-434B-B88271D6290D}"/>
               </a:ext>
             </a:extLst>
           </p:cNvPr>
@@ -4360,28 +6210,29 @@
             <a:spLocks noGrp="1"/>
           </p:cNvSpPr>
           <p:nvPr>
-            <p:ph type="ctrTitle"/>
+            <p:ph type="title"/>
           </p:nvPr>
         </p:nvSpPr>
         <p:spPr/>
         <p:txBody>
-          <a:bodyPr/>
+          <a:bodyPr>
+            <a:normAutofit fontScale="90000"/>
+          </a:bodyPr>
           <a:lstStyle/>
           <a:p>
             <a:r>
-              <a:rPr lang="cs-CZ" dirty="0" err="1"/>
-              <a:t>Frontend</a:t>
-            </a:r>
-            <a:endParaRPr lang="cs-CZ" dirty="0"/>
-          </a:p>
-        </p:txBody>
-      </p:sp>
-      <p:sp>
-        <p:nvSpPr>
-          <p:cNvPr id="3" name="Podnadpis 2">
+              <a:rPr lang="cs-CZ" dirty="0"/>
+              <a:t>Do budoucna</a:t>
+            </a:r>
+          </a:p>
+        </p:txBody>
+      </p:sp>
+      <p:sp>
+        <p:nvSpPr>
+          <p:cNvPr id="3" name="Zástupný obsah 2">
             <a:extLst>
               <a:ext uri="{FF2B5EF4-FFF2-40B4-BE49-F238E27FC236}">
-                <a16:creationId xmlns:a16="http://schemas.microsoft.com/office/drawing/2014/main" id="{4A69F245-BE69-C391-63A9-93D408EC8ED9}"/>
+                <a16:creationId xmlns:a16="http://schemas.microsoft.com/office/drawing/2014/main" id="{3808E1F2-0D73-BAE4-EE2E-A30B38567363}"/>
               </a:ext>
             </a:extLst>
           </p:cNvPr>
@@ -4389,32 +6240,102 @@
             <a:spLocks noGrp="1"/>
           </p:cNvSpPr>
           <p:nvPr>
-            <p:ph type="subTitle" idx="1"/>
+            <p:ph idx="1"/>
           </p:nvPr>
         </p:nvSpPr>
         <p:spPr/>
         <p:txBody>
-          <a:bodyPr/>
+          <a:bodyPr>
+            <a:normAutofit fontScale="92500"/>
+          </a:bodyPr>
           <a:lstStyle/>
           <a:p>
-            <a:endParaRPr lang="cs-CZ"/>
+            <a:pPr>
+              <a:lnSpc>
+                <a:spcPct val="150000"/>
+              </a:lnSpc>
+            </a:pPr>
+            <a:r>
+              <a:rPr lang="cs-CZ" dirty="0"/>
+              <a:t>Potvrzení emailu po registraci</a:t>
+            </a:r>
+          </a:p>
+          <a:p>
+            <a:pPr lvl="1">
+              <a:lnSpc>
+                <a:spcPct val="150000"/>
+              </a:lnSpc>
+            </a:pPr>
+            <a:r>
+              <a:rPr lang="cs-CZ" dirty="0"/>
+              <a:t>To by otevřelo dveře vyšší integraci emailu</a:t>
+            </a:r>
+          </a:p>
+          <a:p>
+            <a:pPr>
+              <a:lnSpc>
+                <a:spcPct val="150000"/>
+              </a:lnSpc>
+            </a:pPr>
+            <a:r>
+              <a:rPr lang="cs-CZ" dirty="0"/>
+              <a:t>Expandovat úkoly</a:t>
+            </a:r>
+          </a:p>
+          <a:p>
+            <a:pPr lvl="1">
+              <a:lnSpc>
+                <a:spcPct val="150000"/>
+              </a:lnSpc>
+            </a:pPr>
+            <a:r>
+              <a:rPr lang="cs-CZ" dirty="0" err="1"/>
+              <a:t>Podúkoly</a:t>
+            </a:r>
+            <a:r>
+              <a:rPr lang="cs-CZ" dirty="0"/>
+              <a:t>/kroky, např. „Nakoupit na nákup“ by mohlo mít kroky „Koupit cuketu“, „Koupit mrkev“, apod.</a:t>
+            </a:r>
+          </a:p>
+          <a:p>
+            <a:pPr>
+              <a:lnSpc>
+                <a:spcPct val="150000"/>
+              </a:lnSpc>
+            </a:pPr>
+            <a:r>
+              <a:rPr lang="cs-CZ" dirty="0"/>
+              <a:t>Nativní aplikace na telefon</a:t>
+            </a:r>
           </a:p>
         </p:txBody>
       </p:sp>
     </p:spTree>
     <p:extLst>
       <p:ext uri="{BB962C8B-B14F-4D97-AF65-F5344CB8AC3E}">
-        <p14:creationId xmlns:p14="http://schemas.microsoft.com/office/powerpoint/2010/main" val="2332293271"/>
+        <p14:creationId xmlns:p14="http://schemas.microsoft.com/office/powerpoint/2010/main" val="4188638300"/>
       </p:ext>
     </p:extLst>
   </p:cSld>
   <p:clrMapOvr>
     <a:masterClrMapping/>
   </p:clrMapOvr>
+  <mc:AlternateContent xmlns:mc="http://schemas.openxmlformats.org/markup-compatibility/2006" xmlns:p159="http://schemas.microsoft.com/office/powerpoint/2015/09/main">
+    <mc:Choice Requires="p159">
+      <p:transition>
+        <p159:morph option="byObject"/>
+      </p:transition>
+    </mc:Choice>
+    <mc:Fallback xmlns="">
+      <p:transition>
+        <p:fade/>
+      </p:transition>
+    </mc:Fallback>
+  </mc:AlternateContent>
 </p:sld>
 </file>
 
-<file path=ppt/slides/slide15.xml><?xml version="1.0" encoding="utf-8"?>
+<file path=ppt/slides/slide24.xml><?xml version="1.0" encoding="utf-8"?>
 <p:sld xmlns:a="http://schemas.openxmlformats.org/drawingml/2006/main" xmlns:r="http://schemas.openxmlformats.org/officeDocument/2006/relationships" xmlns:p="http://schemas.openxmlformats.org/presentationml/2006/main">
   <p:cSld>
     <p:spTree>
@@ -4436,7 +6357,7 @@
           <p:cNvPr id="2" name="Nadpis 1">
             <a:extLst>
               <a:ext uri="{FF2B5EF4-FFF2-40B4-BE49-F238E27FC236}">
-                <a16:creationId xmlns:a16="http://schemas.microsoft.com/office/drawing/2014/main" id="{FBBA9281-737E-D8EE-2E1C-36DD7ABAF4E9}"/>
+                <a16:creationId xmlns:a16="http://schemas.microsoft.com/office/drawing/2014/main" id="{55066AE6-8AA2-6B05-B977-882DBB58E46C}"/>
               </a:ext>
             </a:extLst>
           </p:cNvPr>
@@ -4444,7 +6365,7 @@
             <a:spLocks noGrp="1"/>
           </p:cNvSpPr>
           <p:nvPr>
-            <p:ph type="title"/>
+            <p:ph type="ctrTitle"/>
           </p:nvPr>
         </p:nvSpPr>
         <p:spPr/>
@@ -4452,16 +6373,20 @@
           <a:bodyPr/>
           <a:lstStyle/>
           <a:p>
-            <a:endParaRPr lang="cs-CZ"/>
-          </a:p>
-        </p:txBody>
-      </p:sp>
-      <p:sp>
-        <p:nvSpPr>
-          <p:cNvPr id="3" name="Zástupný obsah 2">
+            <a:r>
+              <a:rPr lang="cs-CZ" dirty="0"/>
+              <a:t>Rychlá ukázka</a:t>
+            </a:r>
+            <a:endParaRPr lang="cs-CZ" sz="800" dirty="0"/>
+          </a:p>
+        </p:txBody>
+      </p:sp>
+      <p:sp>
+        <p:nvSpPr>
+          <p:cNvPr id="5" name="Podnadpis 4">
             <a:extLst>
               <a:ext uri="{FF2B5EF4-FFF2-40B4-BE49-F238E27FC236}">
-                <a16:creationId xmlns:a16="http://schemas.microsoft.com/office/drawing/2014/main" id="{061BD291-2AE7-3D64-6D40-002C0EB891E7}"/>
+                <a16:creationId xmlns:a16="http://schemas.microsoft.com/office/drawing/2014/main" id="{EC33A596-472A-B65B-E38D-25F2648F013E}"/>
               </a:ext>
             </a:extLst>
           </p:cNvPr>
@@ -4469,7 +6394,7 @@
             <a:spLocks noGrp="1"/>
           </p:cNvSpPr>
           <p:nvPr>
-            <p:ph idx="1"/>
+            <p:ph type="subTitle" idx="1"/>
           </p:nvPr>
         </p:nvSpPr>
         <p:spPr/>
@@ -4477,87 +6402,36 @@
           <a:bodyPr/>
           <a:lstStyle/>
           <a:p>
-            <a:r>
-              <a:rPr lang="cs-CZ" dirty="0"/>
-              <a:t>Next.JS s </a:t>
-            </a:r>
-            <a:r>
-              <a:rPr lang="cs-CZ" dirty="0" err="1"/>
-              <a:t>Typescriptem</a:t>
-            </a:r>
-            <a:endParaRPr lang="cs-CZ" dirty="0"/>
-          </a:p>
-          <a:p>
-            <a:r>
-              <a:rPr lang="cs-CZ" dirty="0" err="1"/>
-              <a:t>TailwindCSS</a:t>
-            </a:r>
-            <a:r>
-              <a:rPr lang="cs-CZ" dirty="0"/>
-              <a:t> + </a:t>
-            </a:r>
-            <a:r>
-              <a:rPr lang="cs-CZ" dirty="0" err="1"/>
-              <a:t>PostCSS</a:t>
-            </a:r>
-            <a:endParaRPr lang="cs-CZ" dirty="0"/>
-          </a:p>
-          <a:p>
-            <a:pPr lvl="1"/>
-            <a:r>
-              <a:rPr lang="cs-CZ" dirty="0"/>
-              <a:t>Původně </a:t>
-            </a:r>
-            <a:r>
-              <a:rPr lang="cs-CZ" dirty="0" err="1"/>
-              <a:t>Bootstrap</a:t>
-            </a:r>
-            <a:endParaRPr lang="cs-CZ" dirty="0"/>
-          </a:p>
-          <a:p>
-            <a:r>
-              <a:rPr lang="cs-CZ" dirty="0" err="1"/>
-              <a:t>NextUI</a:t>
-            </a:r>
-            <a:endParaRPr lang="cs-CZ" dirty="0"/>
-          </a:p>
-          <a:p>
-            <a:r>
-              <a:rPr lang="cs-CZ" dirty="0" err="1"/>
-              <a:t>react</a:t>
-            </a:r>
-            <a:r>
-              <a:rPr lang="cs-CZ" dirty="0"/>
-              <a:t>-big-</a:t>
-            </a:r>
-            <a:r>
-              <a:rPr lang="cs-CZ" dirty="0" err="1"/>
-              <a:t>calendar</a:t>
-            </a:r>
-            <a:endParaRPr lang="cs-CZ" dirty="0"/>
-          </a:p>
-          <a:p>
-            <a:r>
-              <a:rPr lang="cs-CZ" dirty="0"/>
-              <a:t>Chart.JS</a:t>
-            </a:r>
+            <a:endParaRPr lang="cs-CZ"/>
           </a:p>
         </p:txBody>
       </p:sp>
     </p:spTree>
     <p:extLst>
       <p:ext uri="{BB962C8B-B14F-4D97-AF65-F5344CB8AC3E}">
-        <p14:creationId xmlns:p14="http://schemas.microsoft.com/office/powerpoint/2010/main" val="87473102"/>
+        <p14:creationId xmlns:p14="http://schemas.microsoft.com/office/powerpoint/2010/main" val="1065163198"/>
       </p:ext>
     </p:extLst>
   </p:cSld>
   <p:clrMapOvr>
     <a:masterClrMapping/>
   </p:clrMapOvr>
+  <mc:AlternateContent xmlns:mc="http://schemas.openxmlformats.org/markup-compatibility/2006" xmlns:p159="http://schemas.microsoft.com/office/powerpoint/2015/09/main">
+    <mc:Choice Requires="p159">
+      <p:transition>
+        <p159:morph option="byObject"/>
+      </p:transition>
+    </mc:Choice>
+    <mc:Fallback xmlns="">
+      <p:transition>
+        <p:fade/>
+      </p:transition>
+    </mc:Fallback>
+  </mc:AlternateContent>
 </p:sld>
 </file>
 
-<file path=ppt/slides/slide2.xml><?xml version="1.0" encoding="utf-8"?>
+<file path=ppt/slides/slide25.xml><?xml version="1.0" encoding="utf-8"?>
 <p:sld xmlns:a="http://schemas.openxmlformats.org/drawingml/2006/main" xmlns:r="http://schemas.openxmlformats.org/officeDocument/2006/relationships" xmlns:p="http://schemas.openxmlformats.org/presentationml/2006/main">
   <p:cSld>
     <p:spTree>
@@ -4579,7 +6453,7 @@
           <p:cNvPr id="2" name="Nadpis 1">
             <a:extLst>
               <a:ext uri="{FF2B5EF4-FFF2-40B4-BE49-F238E27FC236}">
-                <a16:creationId xmlns:a16="http://schemas.microsoft.com/office/drawing/2014/main" id="{5F6FB6B5-D877-1050-1D0F-B679EAC0A187}"/>
+                <a16:creationId xmlns:a16="http://schemas.microsoft.com/office/drawing/2014/main" id="{9FCB5498-AF7E-E542-0914-59C9F1218D69}"/>
               </a:ext>
             </a:extLst>
           </p:cNvPr>
@@ -4587,29 +6461,27 @@
             <a:spLocks noGrp="1"/>
           </p:cNvSpPr>
           <p:nvPr>
-            <p:ph type="title"/>
+            <p:ph type="ctrTitle"/>
           </p:nvPr>
         </p:nvSpPr>
         <p:spPr/>
         <p:txBody>
-          <a:bodyPr>
-            <a:normAutofit fontScale="90000"/>
-          </a:bodyPr>
+          <a:bodyPr/>
           <a:lstStyle/>
           <a:p>
             <a:r>
               <a:rPr lang="cs-CZ" dirty="0"/>
-              <a:t>Co?</a:t>
-            </a:r>
-          </a:p>
-        </p:txBody>
-      </p:sp>
-      <p:sp>
-        <p:nvSpPr>
-          <p:cNvPr id="3" name="Zástupný obsah 2">
+              <a:t>Shrnutí</a:t>
+            </a:r>
+          </a:p>
+        </p:txBody>
+      </p:sp>
+      <p:sp>
+        <p:nvSpPr>
+          <p:cNvPr id="3" name="Podnadpis 2">
             <a:extLst>
               <a:ext uri="{FF2B5EF4-FFF2-40B4-BE49-F238E27FC236}">
-                <a16:creationId xmlns:a16="http://schemas.microsoft.com/office/drawing/2014/main" id="{BC404851-CBFF-7CD1-3C68-67C4AD0DD096}"/>
+                <a16:creationId xmlns:a16="http://schemas.microsoft.com/office/drawing/2014/main" id="{28F94995-C7C0-F6E3-0970-FA864315497E}"/>
               </a:ext>
             </a:extLst>
           </p:cNvPr>
@@ -4617,7 +6489,7 @@
             <a:spLocks noGrp="1"/>
           </p:cNvSpPr>
           <p:nvPr>
-            <p:ph idx="1"/>
+            <p:ph type="subTitle" idx="1"/>
           </p:nvPr>
         </p:nvSpPr>
         <p:spPr/>
@@ -4625,23 +6497,245 @@
           <a:bodyPr/>
           <a:lstStyle/>
           <a:p>
-            <a:r>
-              <a:rPr lang="cs-CZ" dirty="0"/>
-              <a:t>Webová aplikace umožňující skupinám, a jednotlivcům, zadávat úkoly nebo přání svým členům</a:t>
-            </a:r>
+            <a:endParaRPr lang="cs-CZ"/>
           </a:p>
         </p:txBody>
       </p:sp>
     </p:spTree>
     <p:extLst>
       <p:ext uri="{BB962C8B-B14F-4D97-AF65-F5344CB8AC3E}">
-        <p14:creationId xmlns:p14="http://schemas.microsoft.com/office/powerpoint/2010/main" val="3237136149"/>
+        <p14:creationId xmlns:p14="http://schemas.microsoft.com/office/powerpoint/2010/main" val="3042228203"/>
       </p:ext>
     </p:extLst>
   </p:cSld>
   <p:clrMapOvr>
     <a:masterClrMapping/>
   </p:clrMapOvr>
+  <mc:AlternateContent xmlns:mc="http://schemas.openxmlformats.org/markup-compatibility/2006" xmlns:p159="http://schemas.microsoft.com/office/powerpoint/2015/09/main">
+    <mc:Choice Requires="p159">
+      <p:transition>
+        <p159:morph option="byObject"/>
+      </p:transition>
+    </mc:Choice>
+    <mc:Fallback xmlns="">
+      <p:transition>
+        <p:fade/>
+      </p:transition>
+    </mc:Fallback>
+  </mc:AlternateContent>
+</p:sld>
+</file>
+
+<file path=ppt/slides/slide26.xml><?xml version="1.0" encoding="utf-8"?>
+<p:sld xmlns:a="http://schemas.openxmlformats.org/drawingml/2006/main" xmlns:r="http://schemas.openxmlformats.org/officeDocument/2006/relationships" xmlns:p="http://schemas.openxmlformats.org/presentationml/2006/main">
+  <p:cSld>
+    <p:spTree>
+      <p:nvGrpSpPr>
+        <p:cNvPr id="1" name=""/>
+        <p:cNvGrpSpPr/>
+        <p:nvPr/>
+      </p:nvGrpSpPr>
+      <p:grpSpPr>
+        <a:xfrm>
+          <a:off x="0" y="0"/>
+          <a:ext cx="0" cy="0"/>
+          <a:chOff x="0" y="0"/>
+          <a:chExt cx="0" cy="0"/>
+        </a:xfrm>
+      </p:grpSpPr>
+      <p:sp>
+        <p:nvSpPr>
+          <p:cNvPr id="2" name="Nadpis 1">
+            <a:extLst>
+              <a:ext uri="{FF2B5EF4-FFF2-40B4-BE49-F238E27FC236}">
+                <a16:creationId xmlns:a16="http://schemas.microsoft.com/office/drawing/2014/main" id="{3FE74801-9EAF-CB1B-D3D5-F93CA94F5CB7}"/>
+              </a:ext>
+            </a:extLst>
+          </p:cNvPr>
+          <p:cNvSpPr>
+            <a:spLocks noGrp="1"/>
+          </p:cNvSpPr>
+          <p:nvPr>
+            <p:ph type="title"/>
+          </p:nvPr>
+        </p:nvSpPr>
+        <p:spPr/>
+        <p:txBody>
+          <a:bodyPr>
+            <a:normAutofit fontScale="90000"/>
+          </a:bodyPr>
+          <a:lstStyle/>
+          <a:p>
+            <a:endParaRPr lang="cs-CZ" dirty="0"/>
+          </a:p>
+        </p:txBody>
+      </p:sp>
+      <p:sp>
+        <p:nvSpPr>
+          <p:cNvPr id="3" name="Zástupný obsah 2">
+            <a:extLst>
+              <a:ext uri="{FF2B5EF4-FFF2-40B4-BE49-F238E27FC236}">
+                <a16:creationId xmlns:a16="http://schemas.microsoft.com/office/drawing/2014/main" id="{6C73A9EF-9938-CBE1-CB5F-133B95C2C1AE}"/>
+              </a:ext>
+            </a:extLst>
+          </p:cNvPr>
+          <p:cNvSpPr>
+            <a:spLocks noGrp="1"/>
+          </p:cNvSpPr>
+          <p:nvPr>
+            <p:ph idx="1"/>
+          </p:nvPr>
+        </p:nvSpPr>
+        <p:spPr/>
+        <p:txBody>
+          <a:bodyPr/>
+          <a:lstStyle/>
+          <a:p>
+            <a:r>
+              <a:rPr lang="cs-CZ" dirty="0"/>
+              <a:t>Aplikace je nasazená na </a:t>
+            </a:r>
+            <a:r>
+              <a:rPr lang="cs-CZ" dirty="0" err="1"/>
+              <a:t>hostovací</a:t>
+            </a:r>
+            <a:r>
+              <a:rPr lang="cs-CZ" dirty="0"/>
+              <a:t> platformě </a:t>
+            </a:r>
+            <a:r>
+              <a:rPr lang="cs-CZ" dirty="0" err="1"/>
+              <a:t>Vercel</a:t>
+            </a:r>
+            <a:r>
+              <a:rPr lang="cs-CZ" dirty="0"/>
+              <a:t>, Databáze na platformě Neon a splňuje </a:t>
+            </a:r>
+            <a:r>
+              <a:rPr lang="cs-CZ"/>
+              <a:t>veškeré požadavky v zadání</a:t>
+            </a:r>
+            <a:endParaRPr lang="cs-CZ" dirty="0"/>
+          </a:p>
+        </p:txBody>
+      </p:sp>
+    </p:spTree>
+    <p:extLst>
+      <p:ext uri="{BB962C8B-B14F-4D97-AF65-F5344CB8AC3E}">
+        <p14:creationId xmlns:p14="http://schemas.microsoft.com/office/powerpoint/2010/main" val="3538454412"/>
+      </p:ext>
+    </p:extLst>
+  </p:cSld>
+  <p:clrMapOvr>
+    <a:masterClrMapping/>
+  </p:clrMapOvr>
+  <mc:AlternateContent xmlns:mc="http://schemas.openxmlformats.org/markup-compatibility/2006" xmlns:p159="http://schemas.microsoft.com/office/powerpoint/2015/09/main">
+    <mc:Choice Requires="p159">
+      <p:transition>
+        <p159:morph option="byObject"/>
+      </p:transition>
+    </mc:Choice>
+    <mc:Fallback xmlns="">
+      <p:transition>
+        <p:fade/>
+      </p:transition>
+    </mc:Fallback>
+  </mc:AlternateContent>
+</p:sld>
+</file>
+
+<file path=ppt/slides/slide27.xml><?xml version="1.0" encoding="utf-8"?>
+<p:sld xmlns:a="http://schemas.openxmlformats.org/drawingml/2006/main" xmlns:r="http://schemas.openxmlformats.org/officeDocument/2006/relationships" xmlns:p="http://schemas.openxmlformats.org/presentationml/2006/main">
+  <p:cSld>
+    <p:spTree>
+      <p:nvGrpSpPr>
+        <p:cNvPr id="1" name=""/>
+        <p:cNvGrpSpPr/>
+        <p:nvPr/>
+      </p:nvGrpSpPr>
+      <p:grpSpPr>
+        <a:xfrm>
+          <a:off x="0" y="0"/>
+          <a:ext cx="0" cy="0"/>
+          <a:chOff x="0" y="0"/>
+          <a:chExt cx="0" cy="0"/>
+        </a:xfrm>
+      </p:grpSpPr>
+      <p:sp>
+        <p:nvSpPr>
+          <p:cNvPr id="2" name="Nadpis 1">
+            <a:extLst>
+              <a:ext uri="{FF2B5EF4-FFF2-40B4-BE49-F238E27FC236}">
+                <a16:creationId xmlns:a16="http://schemas.microsoft.com/office/drawing/2014/main" id="{939B320C-F4FB-750F-CF6A-0C8D5359C5B1}"/>
+              </a:ext>
+            </a:extLst>
+          </p:cNvPr>
+          <p:cNvSpPr>
+            <a:spLocks noGrp="1"/>
+          </p:cNvSpPr>
+          <p:nvPr>
+            <p:ph type="ctrTitle"/>
+          </p:nvPr>
+        </p:nvSpPr>
+        <p:spPr/>
+        <p:txBody>
+          <a:bodyPr/>
+          <a:lstStyle/>
+          <a:p>
+            <a:r>
+              <a:rPr lang="cs-CZ" dirty="0"/>
+              <a:t>Děkuji za pozornost</a:t>
+            </a:r>
+          </a:p>
+        </p:txBody>
+      </p:sp>
+      <p:sp>
+        <p:nvSpPr>
+          <p:cNvPr id="3" name="Podnadpis 2">
+            <a:extLst>
+              <a:ext uri="{FF2B5EF4-FFF2-40B4-BE49-F238E27FC236}">
+                <a16:creationId xmlns:a16="http://schemas.microsoft.com/office/drawing/2014/main" id="{0D2C912B-6AC3-C3E2-4BD9-0944C22CD9D4}"/>
+              </a:ext>
+            </a:extLst>
+          </p:cNvPr>
+          <p:cNvSpPr>
+            <a:spLocks noGrp="1"/>
+          </p:cNvSpPr>
+          <p:nvPr>
+            <p:ph type="subTitle" idx="1"/>
+          </p:nvPr>
+        </p:nvSpPr>
+        <p:spPr/>
+        <p:txBody>
+          <a:bodyPr/>
+          <a:lstStyle/>
+          <a:p>
+            <a:endParaRPr lang="cs-CZ"/>
+          </a:p>
+        </p:txBody>
+      </p:sp>
+    </p:spTree>
+    <p:extLst>
+      <p:ext uri="{BB962C8B-B14F-4D97-AF65-F5344CB8AC3E}">
+        <p14:creationId xmlns:p14="http://schemas.microsoft.com/office/powerpoint/2010/main" val="1682354616"/>
+      </p:ext>
+    </p:extLst>
+  </p:cSld>
+  <p:clrMapOvr>
+    <a:masterClrMapping/>
+  </p:clrMapOvr>
+  <mc:AlternateContent xmlns:mc="http://schemas.openxmlformats.org/markup-compatibility/2006" xmlns:p159="http://schemas.microsoft.com/office/powerpoint/2015/09/main">
+    <mc:Choice Requires="p159">
+      <p:transition>
+        <p159:morph option="byObject"/>
+      </p:transition>
+    </mc:Choice>
+    <mc:Fallback xmlns="">
+      <p:transition>
+        <p:fade/>
+      </p:transition>
+    </mc:Fallback>
+  </mc:AlternateContent>
 </p:sld>
 </file>
 
@@ -4667,7 +6761,7 @@
           <p:cNvPr id="2" name="Nadpis 1">
             <a:extLst>
               <a:ext uri="{FF2B5EF4-FFF2-40B4-BE49-F238E27FC236}">
-                <a16:creationId xmlns:a16="http://schemas.microsoft.com/office/drawing/2014/main" id="{222F7DD7-E0B5-E92F-5E9D-D594AF538419}"/>
+                <a16:creationId xmlns:a16="http://schemas.microsoft.com/office/drawing/2014/main" id="{5F6FB6B5-D877-1050-1D0F-B679EAC0A187}"/>
               </a:ext>
             </a:extLst>
           </p:cNvPr>
@@ -4687,109 +6781,100 @@
           <a:p>
             <a:r>
               <a:rPr lang="cs-CZ" dirty="0"/>
-              <a:t>Cíle práce</a:t>
-            </a:r>
-          </a:p>
-        </p:txBody>
-      </p:sp>
-      <p:sp>
-        <p:nvSpPr>
-          <p:cNvPr id="3" name="Zástupný obsah 2">
+              <a:t>Co?</a:t>
+            </a:r>
+          </a:p>
+        </p:txBody>
+      </p:sp>
+      <p:pic>
+        <p:nvPicPr>
+          <p:cNvPr id="5" name="Obrázek 4">
             <a:extLst>
               <a:ext uri="{FF2B5EF4-FFF2-40B4-BE49-F238E27FC236}">
-                <a16:creationId xmlns:a16="http://schemas.microsoft.com/office/drawing/2014/main" id="{53399600-AE7C-DC5B-B44A-8BE2447965AF}"/>
+                <a16:creationId xmlns:a16="http://schemas.microsoft.com/office/drawing/2014/main" id="{F91DD046-6CED-A206-D1EC-D9E6442C97AC}"/>
               </a:ext>
             </a:extLst>
           </p:cNvPr>
-          <p:cNvSpPr>
-            <a:spLocks noGrp="1"/>
-          </p:cNvSpPr>
-          <p:nvPr>
-            <p:ph idx="1"/>
-          </p:nvPr>
-        </p:nvSpPr>
+          <p:cNvPicPr>
+            <a:picLocks noChangeAspect="1"/>
+          </p:cNvPicPr>
+          <p:nvPr/>
+        </p:nvPicPr>
+        <p:blipFill>
+          <a:blip r:embed="rId2"/>
+          <a:stretch>
+            <a:fillRect/>
+          </a:stretch>
+        </p:blipFill>
         <p:spPr>
           <a:xfrm>
-            <a:off x="1371600" y="1346662"/>
-            <a:ext cx="9601200" cy="5511338"/>
+            <a:off x="12192000" y="-1851883"/>
+            <a:ext cx="3844212" cy="1851883"/>
           </a:xfrm>
+          <a:prstGeom prst="rect">
+            <a:avLst/>
+          </a:prstGeom>
         </p:spPr>
-        <p:txBody>
-          <a:bodyPr>
-            <a:normAutofit fontScale="92500" lnSpcReduction="20000"/>
-          </a:bodyPr>
+      </p:pic>
+      <p:sp>
+        <p:nvSpPr>
+          <p:cNvPr id="6" name="Zástupný obsah 5">
+            <a:extLst>
+              <a:ext uri="{FF2B5EF4-FFF2-40B4-BE49-F238E27FC236}">
+                <a16:creationId xmlns:a16="http://schemas.microsoft.com/office/drawing/2014/main" id="{1049BD2F-71DE-3E94-FDE5-D04A409A562B}"/>
+              </a:ext>
+            </a:extLst>
+          </p:cNvPr>
+          <p:cNvSpPr>
+            <a:spLocks noGrp="1"/>
+          </p:cNvSpPr>
+          <p:nvPr>
+            <p:ph idx="1"/>
+          </p:nvPr>
+        </p:nvSpPr>
+        <p:spPr/>
+        <p:txBody>
+          <a:bodyPr/>
           <a:lstStyle/>
           <a:p>
-            <a:r>
-              <a:rPr lang="cs-CZ" dirty="0"/>
-              <a:t>Skupiny</a:t>
-            </a:r>
-          </a:p>
-          <a:p>
-            <a:pPr lvl="1"/>
-            <a:r>
-              <a:rPr lang="cs-CZ" dirty="0"/>
-              <a:t>Skupiny mají členy a základní správu uživatelů</a:t>
-            </a:r>
-          </a:p>
-          <a:p>
-            <a:r>
-              <a:rPr lang="cs-CZ" dirty="0"/>
-              <a:t>Úkoly</a:t>
-            </a:r>
-          </a:p>
-          <a:p>
-            <a:pPr lvl="1"/>
-            <a:r>
-              <a:rPr lang="cs-CZ" dirty="0"/>
-              <a:t>Úkoly mohou být přiřazeny uživatelům ve skupině</a:t>
-            </a:r>
-          </a:p>
-          <a:p>
-            <a:pPr lvl="1"/>
-            <a:r>
-              <a:rPr lang="cs-CZ" dirty="0"/>
-              <a:t>Mohou mít časová omezení</a:t>
-            </a:r>
-          </a:p>
-          <a:p>
-            <a:r>
-              <a:rPr lang="cs-CZ" dirty="0"/>
-              <a:t>Kalendář</a:t>
-            </a:r>
-          </a:p>
-          <a:p>
-            <a:pPr lvl="1"/>
-            <a:r>
-              <a:rPr lang="cs-CZ" dirty="0"/>
-              <a:t>Zobrazuje váš plán na den</a:t>
-            </a:r>
-          </a:p>
-          <a:p>
-            <a:r>
-              <a:rPr lang="cs-CZ" dirty="0"/>
-              <a:t>Kategorie</a:t>
-            </a:r>
-          </a:p>
-          <a:p>
-            <a:pPr lvl="1"/>
-            <a:r>
-              <a:rPr lang="cs-CZ" dirty="0"/>
-              <a:t>Úkolům mohou být přiřazeny jednotlivé kategorie</a:t>
-            </a:r>
-          </a:p>
-          <a:p>
-            <a:r>
-              <a:rPr lang="cs-CZ" dirty="0"/>
-              <a:t>Všechny objekty mohou být upraveny majitelem a majitelem nadřazené skupiny</a:t>
-            </a:r>
-          </a:p>
-        </p:txBody>
-      </p:sp>
+            <a:endParaRPr lang="cs-CZ"/>
+          </a:p>
+        </p:txBody>
+      </p:sp>
+      <p:pic>
+        <p:nvPicPr>
+          <p:cNvPr id="9" name="Obrázek 8">
+            <a:extLst>
+              <a:ext uri="{FF2B5EF4-FFF2-40B4-BE49-F238E27FC236}">
+                <a16:creationId xmlns:a16="http://schemas.microsoft.com/office/drawing/2014/main" id="{27971F17-6026-274E-203E-8943B8A70C5C}"/>
+              </a:ext>
+            </a:extLst>
+          </p:cNvPr>
+          <p:cNvPicPr>
+            <a:picLocks noChangeAspect="1"/>
+          </p:cNvPicPr>
+          <p:nvPr/>
+        </p:nvPicPr>
+        <p:blipFill>
+          <a:blip r:embed="rId3"/>
+          <a:stretch>
+            <a:fillRect/>
+          </a:stretch>
+        </p:blipFill>
+        <p:spPr>
+          <a:xfrm>
+            <a:off x="312879" y="1030778"/>
+            <a:ext cx="11718641" cy="5590486"/>
+          </a:xfrm>
+          <a:prstGeom prst="rect">
+            <a:avLst/>
+          </a:prstGeom>
+        </p:spPr>
+      </p:pic>
     </p:spTree>
     <p:extLst>
       <p:ext uri="{BB962C8B-B14F-4D97-AF65-F5344CB8AC3E}">
-        <p14:creationId xmlns:p14="http://schemas.microsoft.com/office/powerpoint/2010/main" val="420892739"/>
+        <p14:creationId xmlns:p14="http://schemas.microsoft.com/office/powerpoint/2010/main" val="1549439150"/>
       </p:ext>
     </p:extLst>
   </p:cSld>
@@ -4833,7 +6918,7 @@
           <p:cNvPr id="2" name="Nadpis 1">
             <a:extLst>
               <a:ext uri="{FF2B5EF4-FFF2-40B4-BE49-F238E27FC236}">
-                <a16:creationId xmlns:a16="http://schemas.microsoft.com/office/drawing/2014/main" id="{74E8E926-57F8-9D83-BCE1-8D88EF200BFA}"/>
+                <a16:creationId xmlns:a16="http://schemas.microsoft.com/office/drawing/2014/main" id="{5F6FB6B5-D877-1050-1D0F-B679EAC0A187}"/>
               </a:ext>
             </a:extLst>
           </p:cNvPr>
@@ -4853,20 +6938,50 @@
           <a:p>
             <a:r>
               <a:rPr lang="cs-CZ" dirty="0"/>
-              <a:t>Technologie</a:t>
-            </a:r>
-          </a:p>
-        </p:txBody>
-      </p:sp>
-      <p:sp>
-        <p:nvSpPr>
-          <p:cNvPr id="3" name="Zástupný obsah 2">
+              <a:t>Co?</a:t>
+            </a:r>
+          </a:p>
+        </p:txBody>
+      </p:sp>
+      <p:pic>
+        <p:nvPicPr>
+          <p:cNvPr id="9" name="Obrázek 8">
             <a:extLst>
               <a:ext uri="{FF2B5EF4-FFF2-40B4-BE49-F238E27FC236}">
-                <a16:creationId xmlns:a16="http://schemas.microsoft.com/office/drawing/2014/main" id="{8A06FB2B-7CB8-E74F-B5A0-E1F4A7554B00}"/>
+                <a16:creationId xmlns:a16="http://schemas.microsoft.com/office/drawing/2014/main" id="{27971F17-6026-274E-203E-8943B8A70C5C}"/>
               </a:ext>
             </a:extLst>
           </p:cNvPr>
+          <p:cNvPicPr>
+            <a:picLocks noChangeAspect="1"/>
+          </p:cNvPicPr>
+          <p:nvPr/>
+        </p:nvPicPr>
+        <p:blipFill>
+          <a:blip r:embed="rId2"/>
+          <a:stretch>
+            <a:fillRect/>
+          </a:stretch>
+        </p:blipFill>
+        <p:spPr>
+          <a:xfrm>
+            <a:off x="12192000" y="6858000"/>
+            <a:ext cx="2220990" cy="1059544"/>
+          </a:xfrm>
+          <a:prstGeom prst="rect">
+            <a:avLst/>
+          </a:prstGeom>
+        </p:spPr>
+      </p:pic>
+      <p:sp>
+        <p:nvSpPr>
+          <p:cNvPr id="6" name="Zástupný obsah 5">
+            <a:extLst>
+              <a:ext uri="{FF2B5EF4-FFF2-40B4-BE49-F238E27FC236}">
+                <a16:creationId xmlns:a16="http://schemas.microsoft.com/office/drawing/2014/main" id="{5885501D-2557-AB13-51A6-70C0411E85FC}"/>
+              </a:ext>
+            </a:extLst>
+          </p:cNvPr>
           <p:cNvSpPr>
             <a:spLocks noGrp="1"/>
           </p:cNvSpPr>
@@ -4876,96 +6991,47 @@
         </p:nvSpPr>
         <p:spPr/>
         <p:txBody>
-          <a:bodyPr>
-            <a:normAutofit/>
-          </a:bodyPr>
+          <a:bodyPr/>
           <a:lstStyle/>
           <a:p>
-            <a:r>
-              <a:rPr lang="cs-CZ" dirty="0"/>
-              <a:t>T3 </a:t>
-            </a:r>
-            <a:r>
-              <a:rPr lang="cs-CZ" dirty="0" err="1"/>
-              <a:t>Stack</a:t>
-            </a:r>
-            <a:endParaRPr lang="cs-CZ" dirty="0"/>
-          </a:p>
-          <a:p>
-            <a:pPr lvl="1"/>
-            <a:r>
-              <a:rPr lang="cs-CZ" dirty="0" err="1"/>
-              <a:t>Typescript</a:t>
-            </a:r>
-            <a:endParaRPr lang="cs-CZ" dirty="0"/>
-          </a:p>
-          <a:p>
-            <a:pPr lvl="1"/>
-            <a:r>
-              <a:rPr lang="cs-CZ" dirty="0" err="1"/>
-              <a:t>tRPC</a:t>
-            </a:r>
-            <a:endParaRPr lang="cs-CZ" dirty="0"/>
-          </a:p>
-          <a:p>
-            <a:pPr lvl="1"/>
-            <a:r>
-              <a:rPr lang="cs-CZ" dirty="0"/>
-              <a:t>Prisma</a:t>
-            </a:r>
-          </a:p>
-          <a:p>
-            <a:pPr lvl="1"/>
-            <a:r>
-              <a:rPr lang="cs-CZ" dirty="0" err="1"/>
-              <a:t>Tailwind</a:t>
-            </a:r>
-            <a:r>
-              <a:rPr lang="cs-CZ" dirty="0"/>
-              <a:t> + </a:t>
-            </a:r>
-            <a:r>
-              <a:rPr lang="cs-CZ" dirty="0" err="1"/>
-              <a:t>NextUI</a:t>
-            </a:r>
-            <a:endParaRPr lang="cs-CZ" dirty="0"/>
-          </a:p>
-          <a:p>
-            <a:pPr lvl="1"/>
-            <a:r>
-              <a:rPr lang="cs-CZ" dirty="0"/>
-              <a:t>Next.js</a:t>
-            </a:r>
-          </a:p>
-          <a:p>
-            <a:pPr lvl="1"/>
-            <a:r>
-              <a:rPr lang="cs-CZ" dirty="0" err="1"/>
-              <a:t>NextAuth</a:t>
-            </a:r>
-            <a:endParaRPr lang="cs-CZ" dirty="0"/>
-          </a:p>
-          <a:p>
-            <a:r>
-              <a:rPr lang="cs-CZ" dirty="0" err="1"/>
-              <a:t>PostgreSQL</a:t>
-            </a:r>
-            <a:endParaRPr lang="cs-CZ" dirty="0"/>
-          </a:p>
-          <a:p>
-            <a:pPr lvl="1"/>
-            <a:endParaRPr lang="cs-CZ" dirty="0"/>
-          </a:p>
-          <a:p>
-            <a:pPr lvl="1"/>
-            <a:endParaRPr lang="cs-CZ" dirty="0"/>
-          </a:p>
-        </p:txBody>
-      </p:sp>
+            <a:endParaRPr lang="cs-CZ"/>
+          </a:p>
+        </p:txBody>
+      </p:sp>
+      <p:pic>
+        <p:nvPicPr>
+          <p:cNvPr id="5" name="Obrázek 4">
+            <a:extLst>
+              <a:ext uri="{FF2B5EF4-FFF2-40B4-BE49-F238E27FC236}">
+                <a16:creationId xmlns:a16="http://schemas.microsoft.com/office/drawing/2014/main" id="{F91DD046-6CED-A206-D1EC-D9E6442C97AC}"/>
+              </a:ext>
+            </a:extLst>
+          </p:cNvPr>
+          <p:cNvPicPr>
+            <a:picLocks noChangeAspect="1"/>
+          </p:cNvPicPr>
+          <p:nvPr/>
+        </p:nvPicPr>
+        <p:blipFill>
+          <a:blip r:embed="rId3"/>
+          <a:stretch>
+            <a:fillRect/>
+          </a:stretch>
+        </p:blipFill>
+        <p:spPr>
+          <a:xfrm>
+            <a:off x="369723" y="1030778"/>
+            <a:ext cx="11604954" cy="5590486"/>
+          </a:xfrm>
+          <a:prstGeom prst="rect">
+            <a:avLst/>
+          </a:prstGeom>
+        </p:spPr>
+      </p:pic>
     </p:spTree>
     <p:extLst>
       <p:ext uri="{BB962C8B-B14F-4D97-AF65-F5344CB8AC3E}">
-        <p14:creationId xmlns:p14="http://schemas.microsoft.com/office/powerpoint/2010/main" val="696869312"/>
+        <p14:creationId xmlns:p14="http://schemas.microsoft.com/office/powerpoint/2010/main" val="3030265188"/>
       </p:ext>
     </p:extLst>
   </p:cSld>
@@ -5009,7 +7075,7 @@
           <p:cNvPr id="2" name="Nadpis 1">
             <a:extLst>
               <a:ext uri="{FF2B5EF4-FFF2-40B4-BE49-F238E27FC236}">
-                <a16:creationId xmlns:a16="http://schemas.microsoft.com/office/drawing/2014/main" id="{8D533D1F-2E3D-6EF0-D2F4-3916FDBFF221}"/>
+                <a16:creationId xmlns:a16="http://schemas.microsoft.com/office/drawing/2014/main" id="{B6457E10-53B5-CF13-4175-D8F809632048}"/>
               </a:ext>
             </a:extLst>
           </p:cNvPr>
@@ -5020,12 +7086,7 @@
             <p:ph type="title"/>
           </p:nvPr>
         </p:nvSpPr>
-        <p:spPr>
-          <a:xfrm>
-            <a:off x="709126" y="685800"/>
-            <a:ext cx="9601200" cy="660862"/>
-          </a:xfrm>
-        </p:spPr>
+        <p:spPr/>
         <p:txBody>
           <a:bodyPr>
             <a:normAutofit fontScale="90000"/>
@@ -5034,62 +7095,121 @@
           <a:p>
             <a:r>
               <a:rPr lang="cs-CZ" dirty="0"/>
-              <a:t>Architektura</a:t>
+              <a:t>Proč?</a:t>
+            </a:r>
+          </a:p>
+        </p:txBody>
+      </p:sp>
+      <p:sp>
+        <p:nvSpPr>
+          <p:cNvPr id="3" name="Zástupný obsah 2">
+            <a:extLst>
+              <a:ext uri="{FF2B5EF4-FFF2-40B4-BE49-F238E27FC236}">
+                <a16:creationId xmlns:a16="http://schemas.microsoft.com/office/drawing/2014/main" id="{CA977E01-A6F1-26FC-98F0-FB215E37A739}"/>
+              </a:ext>
+            </a:extLst>
+          </p:cNvPr>
+          <p:cNvSpPr>
+            <a:spLocks noGrp="1"/>
+          </p:cNvSpPr>
+          <p:nvPr>
+            <p:ph idx="1"/>
+          </p:nvPr>
+        </p:nvSpPr>
+        <p:spPr/>
+        <p:txBody>
+          <a:bodyPr/>
+          <a:lstStyle/>
+          <a:p>
+            <a:r>
+              <a:rPr lang="cs-CZ" dirty="0"/>
+              <a:t>Každý zapomínáme</a:t>
+            </a:r>
+          </a:p>
+          <a:p>
+            <a:endParaRPr lang="cs-CZ" dirty="0"/>
+          </a:p>
+          <a:p>
+            <a:r>
+              <a:rPr lang="cs-CZ" dirty="0"/>
+              <a:t>Řešení na trhu mají svá omezení</a:t>
+            </a:r>
+          </a:p>
+          <a:p>
+            <a:endParaRPr lang="cs-CZ" dirty="0"/>
+          </a:p>
+          <a:p>
+            <a:r>
+              <a:rPr lang="cs-CZ" dirty="0"/>
+              <a:t>Příležitost se na obsáhlém projektu naučit nové technologie</a:t>
             </a:r>
           </a:p>
         </p:txBody>
       </p:sp>
       <p:pic>
         <p:nvPicPr>
-          <p:cNvPr id="1030" name="Picture 6">
+          <p:cNvPr id="5" name="Obrázek 4">
             <a:extLst>
               <a:ext uri="{FF2B5EF4-FFF2-40B4-BE49-F238E27FC236}">
-                <a16:creationId xmlns:a16="http://schemas.microsoft.com/office/drawing/2014/main" id="{AF74B5AD-D81D-3745-AD47-93FBD6C61D79}"/>
+                <a16:creationId xmlns:a16="http://schemas.microsoft.com/office/drawing/2014/main" id="{3B2D1E86-FDFE-56D5-C447-DDF36F04A4FA}"/>
               </a:ext>
             </a:extLst>
           </p:cNvPr>
           <p:cNvPicPr>
-            <a:picLocks noChangeAspect="1" noChangeArrowheads="1"/>
+            <a:picLocks noChangeAspect="1"/>
           </p:cNvPicPr>
           <p:nvPr/>
         </p:nvPicPr>
         <p:blipFill>
-          <a:blip r:embed="rId2">
-            <a:extLst>
-              <a:ext uri="{28A0092B-C50C-407E-A947-70E740481C1C}">
-                <a14:useLocalDpi xmlns:a14="http://schemas.microsoft.com/office/drawing/2010/main" val="0"/>
-              </a:ext>
-            </a:extLst>
-          </a:blip>
-          <a:srcRect/>
+          <a:blip r:embed="rId2"/>
           <a:stretch>
             <a:fillRect/>
           </a:stretch>
         </p:blipFill>
-        <p:spPr bwMode="auto">
+        <p:spPr>
           <a:xfrm>
-            <a:off x="3978275" y="0"/>
-            <a:ext cx="4233863" cy="6858000"/>
+            <a:off x="12192000" y="6926258"/>
+            <a:ext cx="1916058" cy="923028"/>
           </a:xfrm>
           <a:prstGeom prst="rect">
             <a:avLst/>
           </a:prstGeom>
-          <a:noFill/>
-          <a:extLst>
-            <a:ext uri="{909E8E84-426E-40DD-AFC4-6F175D3DCCD1}">
-              <a14:hiddenFill xmlns:a14="http://schemas.microsoft.com/office/drawing/2010/main">
-                <a:solidFill>
-                  <a:srgbClr val="FFFFFF"/>
-                </a:solidFill>
-              </a14:hiddenFill>
-            </a:ext>
-          </a:extLst>
+        </p:spPr>
+      </p:pic>
+      <p:pic>
+        <p:nvPicPr>
+          <p:cNvPr id="6" name="Obrázek 5">
+            <a:extLst>
+              <a:ext uri="{FF2B5EF4-FFF2-40B4-BE49-F238E27FC236}">
+                <a16:creationId xmlns:a16="http://schemas.microsoft.com/office/drawing/2014/main" id="{6DD0AA9D-BCA2-F812-FC1D-D47FA03B09D4}"/>
+              </a:ext>
+            </a:extLst>
+          </p:cNvPr>
+          <p:cNvPicPr>
+            <a:picLocks noChangeAspect="1"/>
+          </p:cNvPicPr>
+          <p:nvPr/>
+        </p:nvPicPr>
+        <p:blipFill>
+          <a:blip r:embed="rId3"/>
+          <a:stretch>
+            <a:fillRect/>
+          </a:stretch>
+        </p:blipFill>
+        <p:spPr>
+          <a:xfrm>
+            <a:off x="12192000" y="6858000"/>
+            <a:ext cx="2220990" cy="1059544"/>
+          </a:xfrm>
+          <a:prstGeom prst="rect">
+            <a:avLst/>
+          </a:prstGeom>
         </p:spPr>
       </p:pic>
     </p:spTree>
     <p:extLst>
       <p:ext uri="{BB962C8B-B14F-4D97-AF65-F5344CB8AC3E}">
-        <p14:creationId xmlns:p14="http://schemas.microsoft.com/office/powerpoint/2010/main" val="3088684255"/>
+        <p14:creationId xmlns:p14="http://schemas.microsoft.com/office/powerpoint/2010/main" val="4247716175"/>
       </p:ext>
     </p:extLst>
   </p:cSld>
@@ -5133,7 +7253,7 @@
           <p:cNvPr id="2" name="Nadpis 1">
             <a:extLst>
               <a:ext uri="{FF2B5EF4-FFF2-40B4-BE49-F238E27FC236}">
-                <a16:creationId xmlns:a16="http://schemas.microsoft.com/office/drawing/2014/main" id="{6E68AAFE-C911-5D9F-3F64-0BE1E61A2297}"/>
+                <a16:creationId xmlns:a16="http://schemas.microsoft.com/office/drawing/2014/main" id="{A69D0628-3BD2-DA01-5F26-CDAB72879C2C}"/>
               </a:ext>
             </a:extLst>
           </p:cNvPr>
@@ -5153,7 +7273,7 @@
           <a:p>
             <a:r>
               <a:rPr lang="cs-CZ" dirty="0"/>
-              <a:t>Co jsem stihl?</a:t>
+              <a:t>Ostatní aplikace na trhu</a:t>
             </a:r>
           </a:p>
         </p:txBody>
@@ -5163,7 +7283,7 @@
           <p:cNvPr id="3" name="Zástupný obsah 2">
             <a:extLst>
               <a:ext uri="{FF2B5EF4-FFF2-40B4-BE49-F238E27FC236}">
-                <a16:creationId xmlns:a16="http://schemas.microsoft.com/office/drawing/2014/main" id="{3E90331F-ECD3-0679-A5A6-24FED6265373}"/>
+                <a16:creationId xmlns:a16="http://schemas.microsoft.com/office/drawing/2014/main" id="{2788C565-D89A-AD88-14F9-C1FAF7705465}"/>
               </a:ext>
             </a:extLst>
           </p:cNvPr>
@@ -5176,61 +7296,131 @@
         </p:nvSpPr>
         <p:spPr/>
         <p:txBody>
-          <a:bodyPr>
-            <a:normAutofit lnSpcReduction="10000"/>
-          </a:bodyPr>
+          <a:bodyPr/>
           <a:lstStyle/>
           <a:p>
             <a:r>
               <a:rPr lang="cs-CZ" dirty="0"/>
-              <a:t>Účty</a:t>
-            </a:r>
-          </a:p>
-          <a:p>
-            <a:pPr lvl="1"/>
-            <a:r>
-              <a:rPr lang="cs-CZ" dirty="0"/>
-              <a:t>Registrace, autorizace, mazání, …</a:t>
-            </a:r>
-          </a:p>
-          <a:p>
-            <a:r>
-              <a:rPr lang="cs-CZ" dirty="0"/>
-              <a:t>Skupiny</a:t>
-            </a:r>
-          </a:p>
-          <a:p>
-            <a:pPr lvl="1"/>
-            <a:r>
-              <a:rPr lang="cs-CZ" dirty="0"/>
-              <a:t>Správa uživatelů, úkolů, kategorií, úpravy vlastností, mazání</a:t>
-            </a:r>
-          </a:p>
-          <a:p>
-            <a:r>
-              <a:rPr lang="cs-CZ" dirty="0"/>
-              <a:t>Úkoly</a:t>
-            </a:r>
-          </a:p>
-          <a:p>
-            <a:pPr lvl="1"/>
-            <a:r>
-              <a:rPr lang="cs-CZ" dirty="0"/>
-              <a:t>Správa plnitelů, časová omezení, kategorizace, úpravy vlastností, mazání, klonování, splnění, potvrzování splnění</a:t>
-            </a:r>
-          </a:p>
-        </p:txBody>
-      </p:sp>
+              <a:t>Microsoft TODO</a:t>
+            </a:r>
+          </a:p>
+          <a:p>
+            <a:pPr marL="530352" lvl="1" indent="0">
+              <a:buNone/>
+            </a:pPr>
+            <a:r>
+              <a:rPr lang="cs-CZ" dirty="0"/>
+              <a:t>+ Mobilní aplikace i Desktopový klient</a:t>
+            </a:r>
+          </a:p>
+          <a:p>
+            <a:pPr lvl="1">
+              <a:buFontTx/>
+              <a:buChar char="-"/>
+            </a:pPr>
+            <a:r>
+              <a:rPr lang="cs-CZ" dirty="0"/>
+              <a:t>Microsoft</a:t>
+            </a:r>
+          </a:p>
+          <a:p>
+            <a:r>
+              <a:rPr lang="cs-CZ" dirty="0" err="1"/>
+              <a:t>Trello</a:t>
+            </a:r>
+            <a:endParaRPr lang="cs-CZ" dirty="0"/>
+          </a:p>
+          <a:p>
+            <a:pPr marL="530352" lvl="1" indent="0">
+              <a:buNone/>
+            </a:pPr>
+            <a:r>
+              <a:rPr lang="cs-CZ" dirty="0"/>
+              <a:t>+ Všechno funguje s Drag &amp; Drop, spousta různých zobrazení</a:t>
+            </a:r>
+          </a:p>
+          <a:p>
+            <a:pPr marL="530352" lvl="1" indent="0">
+              <a:buNone/>
+            </a:pPr>
+            <a:r>
+              <a:rPr lang="cs-CZ" dirty="0"/>
+              <a:t>- „Stahují se mračna“ nad tarifem zdarma</a:t>
+            </a:r>
+          </a:p>
+          <a:p>
+            <a:pPr marL="530352" lvl="1" indent="0">
+              <a:buNone/>
+            </a:pPr>
+            <a:endParaRPr lang="cs-CZ" dirty="0"/>
+          </a:p>
+          <a:p>
+            <a:pPr lvl="1">
+              <a:buFontTx/>
+              <a:buChar char="-"/>
+            </a:pPr>
+            <a:endParaRPr lang="cs-CZ" dirty="0"/>
+          </a:p>
+        </p:txBody>
+      </p:sp>
+      <p:pic>
+        <p:nvPicPr>
+          <p:cNvPr id="9" name="Obrázek 8" descr="Obsah obrázku text, snímek obrazovky, software, Počítačová ikona&#10;&#10;Popis byl vytvořen automaticky">
+            <a:extLst>
+              <a:ext uri="{FF2B5EF4-FFF2-40B4-BE49-F238E27FC236}">
+                <a16:creationId xmlns:a16="http://schemas.microsoft.com/office/drawing/2014/main" id="{35507C27-7192-29A7-C14D-D819C49FB5B0}"/>
+              </a:ext>
+            </a:extLst>
+          </p:cNvPr>
+          <p:cNvPicPr>
+            <a:picLocks noChangeAspect="1"/>
+          </p:cNvPicPr>
+          <p:nvPr/>
+        </p:nvPicPr>
+        <p:blipFill>
+          <a:blip r:embed="rId2">
+            <a:extLst>
+              <a:ext uri="{28A0092B-C50C-407E-A947-70E740481C1C}">
+                <a14:useLocalDpi xmlns:a14="http://schemas.microsoft.com/office/drawing/2010/main" val="0"/>
+              </a:ext>
+            </a:extLst>
+          </a:blip>
+          <a:stretch>
+            <a:fillRect/>
+          </a:stretch>
+        </p:blipFill>
+        <p:spPr>
+          <a:xfrm>
+            <a:off x="12192000" y="-1122383"/>
+            <a:ext cx="1905000" cy="1122383"/>
+          </a:xfrm>
+          <a:prstGeom prst="rect">
+            <a:avLst/>
+          </a:prstGeom>
+        </p:spPr>
+      </p:pic>
     </p:spTree>
     <p:extLst>
       <p:ext uri="{BB962C8B-B14F-4D97-AF65-F5344CB8AC3E}">
-        <p14:creationId xmlns:p14="http://schemas.microsoft.com/office/powerpoint/2010/main" val="3174463043"/>
+        <p14:creationId xmlns:p14="http://schemas.microsoft.com/office/powerpoint/2010/main" val="4125596325"/>
       </p:ext>
     </p:extLst>
   </p:cSld>
   <p:clrMapOvr>
     <a:masterClrMapping/>
   </p:clrMapOvr>
+  <mc:AlternateContent xmlns:mc="http://schemas.openxmlformats.org/markup-compatibility/2006" xmlns:p159="http://schemas.microsoft.com/office/powerpoint/2015/09/main">
+    <mc:Choice Requires="p159">
+      <p:transition>
+        <p159:morph option="byObject"/>
+      </p:transition>
+    </mc:Choice>
+    <mc:Fallback xmlns="">
+      <p:transition>
+        <p:fade/>
+      </p:transition>
+    </mc:Fallback>
+  </mc:AlternateContent>
 </p:sld>
 </file>
 
@@ -5256,7 +7446,7 @@
           <p:cNvPr id="2" name="Nadpis 1">
             <a:extLst>
               <a:ext uri="{FF2B5EF4-FFF2-40B4-BE49-F238E27FC236}">
-                <a16:creationId xmlns:a16="http://schemas.microsoft.com/office/drawing/2014/main" id="{6E68AAFE-C911-5D9F-3F64-0BE1E61A2297}"/>
+                <a16:creationId xmlns:a16="http://schemas.microsoft.com/office/drawing/2014/main" id="{A69D0628-3BD2-DA01-5F26-CDAB72879C2C}"/>
               </a:ext>
             </a:extLst>
           </p:cNvPr>
@@ -5276,20 +7466,56 @@
           <a:p>
             <a:r>
               <a:rPr lang="cs-CZ" dirty="0"/>
-              <a:t>Co jsem stihl?</a:t>
-            </a:r>
-          </a:p>
-        </p:txBody>
-      </p:sp>
-      <p:sp>
-        <p:nvSpPr>
-          <p:cNvPr id="3" name="Zástupný obsah 2">
+              <a:t>Ostatní aplikace na trhu</a:t>
+            </a:r>
+          </a:p>
+        </p:txBody>
+      </p:sp>
+      <p:pic>
+        <p:nvPicPr>
+          <p:cNvPr id="9" name="Obrázek 8" descr="Obsah obrázku text, snímek obrazovky, software, Počítačová ikona&#10;&#10;Popis byl vytvořen automaticky">
             <a:extLst>
               <a:ext uri="{FF2B5EF4-FFF2-40B4-BE49-F238E27FC236}">
-                <a16:creationId xmlns:a16="http://schemas.microsoft.com/office/drawing/2014/main" id="{3E90331F-ECD3-0679-A5A6-24FED6265373}"/>
+                <a16:creationId xmlns:a16="http://schemas.microsoft.com/office/drawing/2014/main" id="{35507C27-7192-29A7-C14D-D819C49FB5B0}"/>
               </a:ext>
             </a:extLst>
           </p:cNvPr>
+          <p:cNvPicPr>
+            <a:picLocks noChangeAspect="1"/>
+          </p:cNvPicPr>
+          <p:nvPr/>
+        </p:nvPicPr>
+        <p:blipFill>
+          <a:blip r:embed="rId2">
+            <a:extLst>
+              <a:ext uri="{28A0092B-C50C-407E-A947-70E740481C1C}">
+                <a14:useLocalDpi xmlns:a14="http://schemas.microsoft.com/office/drawing/2010/main" val="0"/>
+              </a:ext>
+            </a:extLst>
+          </a:blip>
+          <a:stretch>
+            <a:fillRect/>
+          </a:stretch>
+        </p:blipFill>
+        <p:spPr>
+          <a:xfrm>
+            <a:off x="1371600" y="1030778"/>
+            <a:ext cx="9601200" cy="5656810"/>
+          </a:xfrm>
+          <a:prstGeom prst="rect">
+            <a:avLst/>
+          </a:prstGeom>
+        </p:spPr>
+      </p:pic>
+      <p:sp>
+        <p:nvSpPr>
+          <p:cNvPr id="5" name="Zástupný obsah 4">
+            <a:extLst>
+              <a:ext uri="{FF2B5EF4-FFF2-40B4-BE49-F238E27FC236}">
+                <a16:creationId xmlns:a16="http://schemas.microsoft.com/office/drawing/2014/main" id="{1D5CAB7F-4259-8D40-06A5-C89F88AD16DC}"/>
+              </a:ext>
+            </a:extLst>
+          </p:cNvPr>
           <p:cNvSpPr>
             <a:spLocks noGrp="1"/>
           </p:cNvSpPr>
@@ -5299,92 +7525,35 @@
         </p:nvSpPr>
         <p:spPr/>
         <p:txBody>
-          <a:bodyPr>
-            <a:normAutofit fontScale="92500" lnSpcReduction="10000"/>
-          </a:bodyPr>
+          <a:bodyPr/>
           <a:lstStyle/>
           <a:p>
-            <a:r>
-              <a:rPr lang="cs-CZ" dirty="0"/>
-              <a:t>Kategorie</a:t>
-            </a:r>
-          </a:p>
-          <a:p>
-            <a:pPr lvl="1"/>
-            <a:r>
-              <a:rPr lang="cs-CZ" dirty="0"/>
-              <a:t>Úprava vlastností, mazání, …</a:t>
-            </a:r>
-          </a:p>
-          <a:p>
-            <a:r>
-              <a:rPr lang="cs-CZ" dirty="0"/>
-              <a:t>Kalendář</a:t>
-            </a:r>
-          </a:p>
-          <a:p>
-            <a:pPr lvl="1"/>
-            <a:r>
-              <a:rPr lang="cs-CZ" dirty="0"/>
-              <a:t>Zobrazuje úkoly, které mají časové omezení</a:t>
-            </a:r>
-          </a:p>
-          <a:p>
-            <a:r>
-              <a:rPr lang="cs-CZ" dirty="0"/>
-              <a:t>Profily</a:t>
-            </a:r>
-          </a:p>
-          <a:p>
-            <a:pPr lvl="1"/>
-            <a:r>
-              <a:rPr lang="cs-CZ" dirty="0"/>
-              <a:t>Sledování poměru úkolů odevzdaných v čas a pozdě</a:t>
-            </a:r>
-          </a:p>
-          <a:p>
-            <a:pPr lvl="2"/>
-            <a:r>
-              <a:rPr lang="cs-CZ" dirty="0"/>
-              <a:t>Graf, slovní hodnocení</a:t>
-            </a:r>
-          </a:p>
-          <a:p>
-            <a:pPr lvl="1"/>
-            <a:r>
-              <a:rPr lang="cs-CZ" dirty="0"/>
-              <a:t>Nad rámec: </a:t>
-            </a:r>
-            <a:r>
-              <a:rPr lang="cs-CZ" dirty="0" err="1"/>
-              <a:t>Streak</a:t>
-            </a:r>
-            <a:r>
-              <a:rPr lang="cs-CZ" dirty="0"/>
-              <a:t> systém</a:t>
-            </a:r>
-          </a:p>
-          <a:p>
-            <a:r>
-              <a:rPr lang="cs-CZ" dirty="0"/>
-              <a:t>Responzivita</a:t>
-            </a:r>
-          </a:p>
-          <a:p>
-            <a:endParaRPr lang="cs-CZ" dirty="0"/>
+            <a:endParaRPr lang="cs-CZ"/>
           </a:p>
         </p:txBody>
       </p:sp>
     </p:spTree>
     <p:extLst>
       <p:ext uri="{BB962C8B-B14F-4D97-AF65-F5344CB8AC3E}">
-        <p14:creationId xmlns:p14="http://schemas.microsoft.com/office/powerpoint/2010/main" val="2825889430"/>
+        <p14:creationId xmlns:p14="http://schemas.microsoft.com/office/powerpoint/2010/main" val="3773477517"/>
       </p:ext>
     </p:extLst>
   </p:cSld>
   <p:clrMapOvr>
     <a:masterClrMapping/>
   </p:clrMapOvr>
+  <mc:AlternateContent xmlns:mc="http://schemas.openxmlformats.org/markup-compatibility/2006" xmlns:p159="http://schemas.microsoft.com/office/powerpoint/2015/09/main">
+    <mc:Choice Requires="p159">
+      <p:transition>
+        <p159:morph option="byObject"/>
+      </p:transition>
+    </mc:Choice>
+    <mc:Fallback xmlns="">
+      <p:transition>
+        <p:fade/>
+      </p:transition>
+    </mc:Fallback>
+  </mc:AlternateContent>
 </p:sld>
 </file>
 
@@ -5410,7 +7579,7 @@
           <p:cNvPr id="2" name="Nadpis 1">
             <a:extLst>
               <a:ext uri="{FF2B5EF4-FFF2-40B4-BE49-F238E27FC236}">
-                <a16:creationId xmlns:a16="http://schemas.microsoft.com/office/drawing/2014/main" id="{DDBD89A4-DB35-C076-434B-B88271D6290D}"/>
+                <a16:creationId xmlns:a16="http://schemas.microsoft.com/office/drawing/2014/main" id="{A69D0628-3BD2-DA01-5F26-CDAB72879C2C}"/>
               </a:ext>
             </a:extLst>
           </p:cNvPr>
@@ -5430,7 +7599,7 @@
           <a:p>
             <a:r>
               <a:rPr lang="cs-CZ" dirty="0"/>
-              <a:t>Do budoucna</a:t>
+              <a:t>Ostatní aplikace na trhu</a:t>
             </a:r>
           </a:p>
         </p:txBody>
@@ -5440,7 +7609,7 @@
           <p:cNvPr id="3" name="Zástupný obsah 2">
             <a:extLst>
               <a:ext uri="{FF2B5EF4-FFF2-40B4-BE49-F238E27FC236}">
-                <a16:creationId xmlns:a16="http://schemas.microsoft.com/office/drawing/2014/main" id="{3808E1F2-0D73-BAE4-EE2E-A30B38567363}"/>
+                <a16:creationId xmlns:a16="http://schemas.microsoft.com/office/drawing/2014/main" id="{2788C565-D89A-AD88-14F9-C1FAF7705465}"/>
               </a:ext>
             </a:extLst>
           </p:cNvPr>
@@ -5453,56 +7622,188 @@
         </p:nvSpPr>
         <p:spPr/>
         <p:txBody>
-          <a:bodyPr/>
+          <a:bodyPr>
+            <a:normAutofit/>
+          </a:bodyPr>
           <a:lstStyle/>
           <a:p>
-            <a:pPr>
-              <a:lnSpc>
-                <a:spcPct val="150000"/>
-              </a:lnSpc>
+            <a:r>
+              <a:rPr lang="cs-CZ" dirty="0"/>
+              <a:t>Google </a:t>
+            </a:r>
+            <a:r>
+              <a:rPr lang="cs-CZ" dirty="0" err="1"/>
+              <a:t>Keep</a:t>
+            </a:r>
+            <a:endParaRPr lang="cs-CZ" dirty="0"/>
+          </a:p>
+          <a:p>
+            <a:pPr marL="530352" lvl="1" indent="0">
+              <a:buNone/>
             </a:pPr>
             <a:r>
               <a:rPr lang="cs-CZ" dirty="0"/>
-              <a:t>Potvrzení emailu po registraci</a:t>
-            </a:r>
-          </a:p>
-          <a:p>
-            <a:pPr>
-              <a:lnSpc>
-                <a:spcPct val="150000"/>
-              </a:lnSpc>
+              <a:t>+ Webová aplikace</a:t>
+            </a:r>
+          </a:p>
+          <a:p>
+            <a:pPr lvl="1">
+              <a:buFontTx/>
+              <a:buChar char="-"/>
             </a:pPr>
             <a:r>
               <a:rPr lang="cs-CZ" dirty="0"/>
-              <a:t>Nativní aplikace na telefon</a:t>
-            </a:r>
-          </a:p>
-          <a:p>
-            <a:pPr>
-              <a:lnSpc>
-                <a:spcPct val="150000"/>
-              </a:lnSpc>
+              <a:t>Bez skupin</a:t>
+            </a:r>
+          </a:p>
+          <a:p>
+            <a:pPr lvl="1">
+              <a:buFontTx/>
+              <a:buChar char="-"/>
             </a:pPr>
             <a:r>
               <a:rPr lang="cs-CZ" dirty="0"/>
-              <a:t>„Drag and Drop“ pro kalendář</a:t>
-            </a:r>
-          </a:p>
-          <a:p>
+              <a:t>Málo funkcí</a:t>
+            </a:r>
+          </a:p>
+          <a:p>
+            <a:pPr lvl="1">
+              <a:buFontTx/>
+              <a:buChar char="-"/>
+            </a:pPr>
+            <a:r>
+              <a:rPr lang="cs-CZ" dirty="0"/>
+              <a:t>Google</a:t>
+            </a:r>
+          </a:p>
+          <a:p>
+            <a:r>
+              <a:rPr lang="cs-CZ" dirty="0" err="1"/>
+              <a:t>Freelo</a:t>
+            </a:r>
             <a:endParaRPr lang="cs-CZ" dirty="0"/>
           </a:p>
-        </p:txBody>
-      </p:sp>
+          <a:p>
+            <a:pPr marL="530352" lvl="1" indent="0">
+              <a:buNone/>
+            </a:pPr>
+            <a:r>
+              <a:rPr lang="cs-CZ" dirty="0"/>
+              <a:t>+ Snad nejvíce funkcí na trhu</a:t>
+            </a:r>
+          </a:p>
+          <a:p>
+            <a:pPr marL="530352" lvl="1" indent="0">
+              <a:buNone/>
+            </a:pPr>
+            <a:r>
+              <a:rPr lang="cs-CZ" dirty="0"/>
+              <a:t>- Hodně rychle hodně drahé</a:t>
+            </a:r>
+          </a:p>
+          <a:p>
+            <a:pPr lvl="1">
+              <a:buFontTx/>
+              <a:buChar char="-"/>
+            </a:pPr>
+            <a:endParaRPr lang="cs-CZ" dirty="0"/>
+          </a:p>
+        </p:txBody>
+      </p:sp>
+      <p:pic>
+        <p:nvPicPr>
+          <p:cNvPr id="4" name="Obrázek 3" descr="Obsah obrázku text, snímek obrazovky, software, Počítačová ikona&#10;&#10;Popis byl vytvořen automaticky">
+            <a:extLst>
+              <a:ext uri="{FF2B5EF4-FFF2-40B4-BE49-F238E27FC236}">
+                <a16:creationId xmlns:a16="http://schemas.microsoft.com/office/drawing/2014/main" id="{8F02E546-7640-F533-EA41-159EEC15A0DF}"/>
+              </a:ext>
+            </a:extLst>
+          </p:cNvPr>
+          <p:cNvPicPr>
+            <a:picLocks noChangeAspect="1"/>
+          </p:cNvPicPr>
+          <p:nvPr/>
+        </p:nvPicPr>
+        <p:blipFill>
+          <a:blip r:embed="rId2">
+            <a:extLst>
+              <a:ext uri="{28A0092B-C50C-407E-A947-70E740481C1C}">
+                <a14:useLocalDpi xmlns:a14="http://schemas.microsoft.com/office/drawing/2010/main" val="0"/>
+              </a:ext>
+            </a:extLst>
+          </a:blip>
+          <a:stretch>
+            <a:fillRect/>
+          </a:stretch>
+        </p:blipFill>
+        <p:spPr>
+          <a:xfrm>
+            <a:off x="12192000" y="6858000"/>
+            <a:ext cx="1905000" cy="1122383"/>
+          </a:xfrm>
+          <a:prstGeom prst="rect">
+            <a:avLst/>
+          </a:prstGeom>
+        </p:spPr>
+      </p:pic>
+      <p:pic>
+        <p:nvPicPr>
+          <p:cNvPr id="6" name="Obrázek 5" descr="Obsah obrázku text, snímek obrazovky, software, Operační systém&#10;&#10;Popis byl vytvořen automaticky">
+            <a:extLst>
+              <a:ext uri="{FF2B5EF4-FFF2-40B4-BE49-F238E27FC236}">
+                <a16:creationId xmlns:a16="http://schemas.microsoft.com/office/drawing/2014/main" id="{717F980D-A95A-611D-09AC-650B450A34F7}"/>
+              </a:ext>
+            </a:extLst>
+          </p:cNvPr>
+          <p:cNvPicPr>
+            <a:picLocks noChangeAspect="1"/>
+          </p:cNvPicPr>
+          <p:nvPr/>
+        </p:nvPicPr>
+        <p:blipFill>
+          <a:blip r:embed="rId3">
+            <a:extLst>
+              <a:ext uri="{28A0092B-C50C-407E-A947-70E740481C1C}">
+                <a14:useLocalDpi xmlns:a14="http://schemas.microsoft.com/office/drawing/2010/main" val="0"/>
+              </a:ext>
+            </a:extLst>
+          </a:blip>
+          <a:stretch>
+            <a:fillRect/>
+          </a:stretch>
+        </p:blipFill>
+        <p:spPr>
+          <a:xfrm>
+            <a:off x="12192000" y="-1365717"/>
+            <a:ext cx="2583648" cy="1419981"/>
+          </a:xfrm>
+          <a:prstGeom prst="rect">
+            <a:avLst/>
+          </a:prstGeom>
+        </p:spPr>
+      </p:pic>
     </p:spTree>
     <p:extLst>
       <p:ext uri="{BB962C8B-B14F-4D97-AF65-F5344CB8AC3E}">
-        <p14:creationId xmlns:p14="http://schemas.microsoft.com/office/powerpoint/2010/main" val="4188638300"/>
+        <p14:creationId xmlns:p14="http://schemas.microsoft.com/office/powerpoint/2010/main" val="3729114430"/>
       </p:ext>
     </p:extLst>
   </p:cSld>
   <p:clrMapOvr>
     <a:masterClrMapping/>
   </p:clrMapOvr>
+  <mc:AlternateContent xmlns:mc="http://schemas.openxmlformats.org/markup-compatibility/2006" xmlns:p159="http://schemas.microsoft.com/office/powerpoint/2015/09/main">
+    <mc:Choice Requires="p159">
+      <p:transition>
+        <p159:morph option="byObject"/>
+      </p:transition>
+    </mc:Choice>
+    <mc:Fallback xmlns="">
+      <p:transition>
+        <p:fade/>
+      </p:transition>
+    </mc:Fallback>
+  </mc:AlternateContent>
 </p:sld>
 </file>
 
@@ -5528,7 +7829,7 @@
           <p:cNvPr id="2" name="Nadpis 1">
             <a:extLst>
               <a:ext uri="{FF2B5EF4-FFF2-40B4-BE49-F238E27FC236}">
-                <a16:creationId xmlns:a16="http://schemas.microsoft.com/office/drawing/2014/main" id="{B95A7D78-57A9-8E9D-73B0-C8EA66D5E8DE}"/>
+                <a16:creationId xmlns:a16="http://schemas.microsoft.com/office/drawing/2014/main" id="{A69D0628-3BD2-DA01-5F26-CDAB72879C2C}"/>
               </a:ext>
             </a:extLst>
           </p:cNvPr>
@@ -5548,55 +7849,69 @@
           <a:p>
             <a:r>
               <a:rPr lang="cs-CZ" dirty="0"/>
-              <a:t>Úkol X Přání</a:t>
-            </a:r>
-          </a:p>
-        </p:txBody>
-      </p:sp>
-      <p:sp>
-        <p:nvSpPr>
-          <p:cNvPr id="3" name="Zástupný obsah 2">
+              <a:t>Ostatní aplikace na trhu</a:t>
+            </a:r>
+          </a:p>
+        </p:txBody>
+      </p:sp>
+      <p:pic>
+        <p:nvPicPr>
+          <p:cNvPr id="6" name="Obrázek 5" descr="Obsah obrázku text, snímek obrazovky, software, Operační systém&#10;&#10;Popis byl vytvořen automaticky">
             <a:extLst>
               <a:ext uri="{FF2B5EF4-FFF2-40B4-BE49-F238E27FC236}">
-                <a16:creationId xmlns:a16="http://schemas.microsoft.com/office/drawing/2014/main" id="{92C1773B-AB53-BDD2-58E5-24680DFBB223}"/>
+                <a16:creationId xmlns:a16="http://schemas.microsoft.com/office/drawing/2014/main" id="{717F980D-A95A-611D-09AC-650B450A34F7}"/>
               </a:ext>
             </a:extLst>
           </p:cNvPr>
-          <p:cNvSpPr>
-            <a:spLocks noGrp="1"/>
-          </p:cNvSpPr>
-          <p:nvPr>
-            <p:ph idx="1"/>
-          </p:nvPr>
-        </p:nvSpPr>
-        <p:spPr/>
-        <p:txBody>
-          <a:bodyPr/>
-          <a:lstStyle/>
-          <a:p>
-            <a:r>
-              <a:rPr lang="cs-CZ" dirty="0"/>
-              <a:t>Na BE jsou přání považovány za úkoly</a:t>
-            </a:r>
-          </a:p>
-          <a:p>
-            <a:r>
-              <a:rPr lang="cs-CZ" dirty="0"/>
-              <a:t>Na FE je úkol určen jako přání pokud nejsou k úkolu přiřazeni uživatelé</a:t>
-            </a:r>
-          </a:p>
-        </p:txBody>
-      </p:sp>
+          <p:cNvPicPr>
+            <a:picLocks noChangeAspect="1"/>
+          </p:cNvPicPr>
+          <p:nvPr/>
+        </p:nvPicPr>
+        <p:blipFill>
+          <a:blip r:embed="rId2">
+            <a:extLst>
+              <a:ext uri="{28A0092B-C50C-407E-A947-70E740481C1C}">
+                <a14:useLocalDpi xmlns:a14="http://schemas.microsoft.com/office/drawing/2010/main" val="0"/>
+              </a:ext>
+            </a:extLst>
+          </a:blip>
+          <a:stretch>
+            <a:fillRect/>
+          </a:stretch>
+        </p:blipFill>
+        <p:spPr>
+          <a:xfrm>
+            <a:off x="984250" y="922713"/>
+            <a:ext cx="10223500" cy="5618867"/>
+          </a:xfrm>
+          <a:prstGeom prst="rect">
+            <a:avLst/>
+          </a:prstGeom>
+        </p:spPr>
+      </p:pic>
     </p:spTree>
     <p:extLst>
       <p:ext uri="{BB962C8B-B14F-4D97-AF65-F5344CB8AC3E}">
-        <p14:creationId xmlns:p14="http://schemas.microsoft.com/office/powerpoint/2010/main" val="339635633"/>
+        <p14:creationId xmlns:p14="http://schemas.microsoft.com/office/powerpoint/2010/main" val="990867872"/>
       </p:ext>
     </p:extLst>
   </p:cSld>
   <p:clrMapOvr>
     <a:masterClrMapping/>
   </p:clrMapOvr>
+  <mc:AlternateContent xmlns:mc="http://schemas.openxmlformats.org/markup-compatibility/2006" xmlns:p159="http://schemas.microsoft.com/office/powerpoint/2015/09/main">
+    <mc:Choice Requires="p159">
+      <p:transition>
+        <p159:morph option="byObject"/>
+      </p:transition>
+    </mc:Choice>
+    <mc:Fallback xmlns="">
+      <p:transition>
+        <p:fade/>
+      </p:transition>
+    </mc:Fallback>
+  </mc:AlternateContent>
 </p:sld>
 </file>
 
